--- a/Introduction to Pytorch.pptx
+++ b/Introduction to Pytorch.pptx
@@ -5,16 +5,23 @@
     <p:sldMasterId id="2147483648" r:id="rId1"/>
   </p:sldMasterIdLst>
   <p:notesMasterIdLst>
-    <p:notesMasterId r:id="rId9"/>
+    <p:notesMasterId r:id="rId16"/>
   </p:notesMasterIdLst>
   <p:sldIdLst>
     <p:sldId id="256" r:id="rId2"/>
     <p:sldId id="257" r:id="rId3"/>
-    <p:sldId id="259" r:id="rId4"/>
-    <p:sldId id="261" r:id="rId5"/>
-    <p:sldId id="260" r:id="rId6"/>
-    <p:sldId id="262" r:id="rId7"/>
-    <p:sldId id="258" r:id="rId8"/>
+    <p:sldId id="260" r:id="rId4"/>
+    <p:sldId id="272" r:id="rId5"/>
+    <p:sldId id="271" r:id="rId6"/>
+    <p:sldId id="261" r:id="rId7"/>
+    <p:sldId id="263" r:id="rId8"/>
+    <p:sldId id="265" r:id="rId9"/>
+    <p:sldId id="266" r:id="rId10"/>
+    <p:sldId id="273" r:id="rId11"/>
+    <p:sldId id="274" r:id="rId12"/>
+    <p:sldId id="275" r:id="rId13"/>
+    <p:sldId id="276" r:id="rId14"/>
+    <p:sldId id="258" r:id="rId15"/>
   </p:sldIdLst>
   <p:sldSz cx="12192000" cy="6858000"/>
   <p:notesSz cx="6858000" cy="9144000"/>
@@ -203,7 +210,7 @@
           <a:p>
             <a:fld id="{37EABF11-7AA2-49C2-9A04-6E18B57FE0E8}" type="datetimeFigureOut">
               <a:rPr lang="en-US" smtClean="0"/>
-              <a:t>3/22/2025</a:t>
+              <a:t>3/31/2025</a:t>
             </a:fld>
             <a:endParaRPr lang="en-US"/>
           </a:p>
@@ -514,10 +521,37 @@
           <a:bodyPr/>
           <a:lstStyle/>
           <a:p>
+            <a:pPr marL="0" marR="0" lvl="0" indent="0" algn="l" defTabSz="914400" rtl="0" eaLnBrk="1" fontAlgn="auto" latinLnBrk="0" hangingPunct="1">
+              <a:lnSpc>
+                <a:spcPct val="100000"/>
+              </a:lnSpc>
+              <a:spcBef>
+                <a:spcPts val="0"/>
+              </a:spcBef>
+              <a:spcAft>
+                <a:spcPts val="0"/>
+              </a:spcAft>
+              <a:buClrTx/>
+              <a:buSzTx/>
+              <a:buFontTx/>
+              <a:buNone/>
+              <a:tabLst/>
+              <a:defRPr/>
+            </a:pPr>
             <a:r>
               <a:rPr lang="en-US" dirty="0"/>
-              <a:t>Tensor’s are similar</a:t>
-            </a:r>
+              <a:t>Link: </a:t>
+            </a:r>
+            <a:r>
+              <a:rPr lang="en-US" dirty="0" err="1">
+                <a:hlinkClick r:id="rId3"/>
+              </a:rPr>
+              <a:t>PyTorch</a:t>
+            </a:r>
+            <a:endParaRPr lang="en-US" dirty="0"/>
+          </a:p>
+          <a:p>
+            <a:endParaRPr lang="en-US" dirty="0"/>
           </a:p>
         </p:txBody>
       </p:sp>
@@ -547,7 +581,461 @@
     </p:spTree>
     <p:extLst>
       <p:ext uri="{BB962C8B-B14F-4D97-AF65-F5344CB8AC3E}">
-        <p14:creationId xmlns:p14="http://schemas.microsoft.com/office/powerpoint/2010/main" val="312325542"/>
+        <p14:creationId xmlns:p14="http://schemas.microsoft.com/office/powerpoint/2010/main" val="2287626547"/>
+      </p:ext>
+    </p:extLst>
+  </p:cSld>
+  <p:clrMapOvr>
+    <a:masterClrMapping/>
+  </p:clrMapOvr>
+</p:notes>
+</file>
+
+<file path=ppt/notesSlides/notesSlide2.xml><?xml version="1.0" encoding="utf-8"?>
+<p:notes xmlns:a="http://schemas.openxmlformats.org/drawingml/2006/main" xmlns:r="http://schemas.openxmlformats.org/officeDocument/2006/relationships" xmlns:p="http://schemas.openxmlformats.org/presentationml/2006/main">
+  <p:cSld>
+    <p:spTree>
+      <p:nvGrpSpPr>
+        <p:cNvPr id="1" name="">
+          <a:extLst>
+            <a:ext uri="{FF2B5EF4-FFF2-40B4-BE49-F238E27FC236}">
+              <a16:creationId xmlns:a16="http://schemas.microsoft.com/office/drawing/2014/main" id="{32B0EFC2-F9A6-2087-0D68-E3F1156A7BE4}"/>
+            </a:ext>
+          </a:extLst>
+        </p:cNvPr>
+        <p:cNvGrpSpPr/>
+        <p:nvPr/>
+      </p:nvGrpSpPr>
+      <p:grpSpPr>
+        <a:xfrm>
+          <a:off x="0" y="0"/>
+          <a:ext cx="0" cy="0"/>
+          <a:chOff x="0" y="0"/>
+          <a:chExt cx="0" cy="0"/>
+        </a:xfrm>
+      </p:grpSpPr>
+      <p:sp>
+        <p:nvSpPr>
+          <p:cNvPr id="2" name="Slide Image Placeholder 1">
+            <a:extLst>
+              <a:ext uri="{FF2B5EF4-FFF2-40B4-BE49-F238E27FC236}">
+                <a16:creationId xmlns:a16="http://schemas.microsoft.com/office/drawing/2014/main" id="{71BC9031-88E0-4150-84F3-80A7445A7DF6}"/>
+              </a:ext>
+            </a:extLst>
+          </p:cNvPr>
+          <p:cNvSpPr>
+            <a:spLocks noGrp="1" noRot="1" noChangeAspect="1"/>
+          </p:cNvSpPr>
+          <p:nvPr>
+            <p:ph type="sldImg"/>
+          </p:nvPr>
+        </p:nvSpPr>
+        <p:spPr/>
+      </p:sp>
+      <p:sp>
+        <p:nvSpPr>
+          <p:cNvPr id="3" name="Notes Placeholder 2">
+            <a:extLst>
+              <a:ext uri="{FF2B5EF4-FFF2-40B4-BE49-F238E27FC236}">
+                <a16:creationId xmlns:a16="http://schemas.microsoft.com/office/drawing/2014/main" id="{B21D2074-462C-9C5F-D5FA-5C659A05308A}"/>
+              </a:ext>
+            </a:extLst>
+          </p:cNvPr>
+          <p:cNvSpPr>
+            <a:spLocks noGrp="1"/>
+          </p:cNvSpPr>
+          <p:nvPr>
+            <p:ph type="body" idx="1"/>
+          </p:nvPr>
+        </p:nvSpPr>
+        <p:spPr/>
+        <p:txBody>
+          <a:bodyPr/>
+          <a:lstStyle/>
+          <a:p>
+            <a:r>
+              <a:rPr lang="en-US" dirty="0"/>
+              <a:t>Tensor’s are similar</a:t>
+            </a:r>
+          </a:p>
+        </p:txBody>
+      </p:sp>
+      <p:sp>
+        <p:nvSpPr>
+          <p:cNvPr id="4" name="Slide Number Placeholder 3">
+            <a:extLst>
+              <a:ext uri="{FF2B5EF4-FFF2-40B4-BE49-F238E27FC236}">
+                <a16:creationId xmlns:a16="http://schemas.microsoft.com/office/drawing/2014/main" id="{E9677E94-7417-6049-48CE-1301B0A335B1}"/>
+              </a:ext>
+            </a:extLst>
+          </p:cNvPr>
+          <p:cNvSpPr>
+            <a:spLocks noGrp="1"/>
+          </p:cNvSpPr>
+          <p:nvPr>
+            <p:ph type="sldNum" sz="quarter" idx="5"/>
+          </p:nvPr>
+        </p:nvSpPr>
+        <p:spPr/>
+        <p:txBody>
+          <a:bodyPr/>
+          <a:lstStyle/>
+          <a:p>
+            <a:fld id="{A2A8F4BC-C725-4C16-A8C5-DEE8F557E8DF}" type="slidenum">
+              <a:rPr lang="en-US" smtClean="0"/>
+              <a:t>5</a:t>
+            </a:fld>
+            <a:endParaRPr lang="en-US"/>
+          </a:p>
+        </p:txBody>
+      </p:sp>
+    </p:spTree>
+    <p:extLst>
+      <p:ext uri="{BB962C8B-B14F-4D97-AF65-F5344CB8AC3E}">
+        <p14:creationId xmlns:p14="http://schemas.microsoft.com/office/powerpoint/2010/main" val="856333813"/>
+      </p:ext>
+    </p:extLst>
+  </p:cSld>
+  <p:clrMapOvr>
+    <a:masterClrMapping/>
+  </p:clrMapOvr>
+</p:notes>
+</file>
+
+<file path=ppt/notesSlides/notesSlide3.xml><?xml version="1.0" encoding="utf-8"?>
+<p:notes xmlns:a="http://schemas.openxmlformats.org/drawingml/2006/main" xmlns:r="http://schemas.openxmlformats.org/officeDocument/2006/relationships" xmlns:p="http://schemas.openxmlformats.org/presentationml/2006/main">
+  <p:cSld>
+    <p:spTree>
+      <p:nvGrpSpPr>
+        <p:cNvPr id="1" name=""/>
+        <p:cNvGrpSpPr/>
+        <p:nvPr/>
+      </p:nvGrpSpPr>
+      <p:grpSpPr>
+        <a:xfrm>
+          <a:off x="0" y="0"/>
+          <a:ext cx="0" cy="0"/>
+          <a:chOff x="0" y="0"/>
+          <a:chExt cx="0" cy="0"/>
+        </a:xfrm>
+      </p:grpSpPr>
+      <p:sp>
+        <p:nvSpPr>
+          <p:cNvPr id="2" name="Slide Image Placeholder 1"/>
+          <p:cNvSpPr>
+            <a:spLocks noGrp="1" noRot="1" noChangeAspect="1"/>
+          </p:cNvSpPr>
+          <p:nvPr>
+            <p:ph type="sldImg"/>
+          </p:nvPr>
+        </p:nvSpPr>
+        <p:spPr/>
+      </p:sp>
+      <p:sp>
+        <p:nvSpPr>
+          <p:cNvPr id="3" name="Notes Placeholder 2"/>
+          <p:cNvSpPr>
+            <a:spLocks noGrp="1"/>
+          </p:cNvSpPr>
+          <p:nvPr>
+            <p:ph type="body" idx="1"/>
+          </p:nvPr>
+        </p:nvSpPr>
+        <p:spPr/>
+        <p:txBody>
+          <a:bodyPr/>
+          <a:lstStyle/>
+          <a:p>
+            <a:r>
+              <a:rPr lang="en-US" dirty="0" err="1"/>
+              <a:t>Pytorch</a:t>
+            </a:r>
+            <a:r>
+              <a:rPr lang="en-US" dirty="0"/>
+              <a:t> consists of three main modules: Torch, </a:t>
+            </a:r>
+            <a:r>
+              <a:rPr lang="en-US" dirty="0" err="1"/>
+              <a:t>Torchvision</a:t>
+            </a:r>
+            <a:r>
+              <a:rPr lang="en-US" dirty="0"/>
+              <a:t> and </a:t>
+            </a:r>
+            <a:r>
+              <a:rPr lang="en-US" dirty="0" err="1"/>
+              <a:t>Torchaudio</a:t>
+            </a:r>
+            <a:r>
+              <a:rPr lang="en-US" dirty="0"/>
+              <a:t>.  </a:t>
+            </a:r>
+            <a:r>
+              <a:rPr lang="en-US" dirty="0" err="1"/>
+              <a:t>Torchvision</a:t>
+            </a:r>
+            <a:r>
+              <a:rPr lang="en-US" dirty="0"/>
+              <a:t> and </a:t>
+            </a:r>
+            <a:r>
+              <a:rPr lang="en-US" dirty="0" err="1"/>
+              <a:t>Torchaudio</a:t>
+            </a:r>
+            <a:r>
+              <a:rPr lang="en-US" dirty="0"/>
+              <a:t> are specific libraries for computer vision and computer audio recognition.  Torch is the primary library that allows data scientist to build their own models.  It consists of many modules such as .utils, or .</a:t>
+            </a:r>
+            <a:r>
+              <a:rPr lang="en-US" dirty="0" err="1"/>
+              <a:t>nn</a:t>
+            </a:r>
+            <a:r>
+              <a:rPr lang="en-US" dirty="0"/>
+              <a:t>.  You use these to assist in training or building a model.  </a:t>
+            </a:r>
+          </a:p>
+          <a:p>
+            <a:endParaRPr lang="en-US" dirty="0"/>
+          </a:p>
+          <a:p>
+            <a:r>
+              <a:rPr lang="en-US" dirty="0"/>
+              <a:t>Additional information on each module:</a:t>
+            </a:r>
+          </a:p>
+          <a:p>
+            <a:r>
+              <a:rPr lang="en-US" dirty="0" err="1"/>
+              <a:t>Torchvision</a:t>
+            </a:r>
+            <a:r>
+              <a:rPr lang="en-US" dirty="0"/>
+              <a:t>: </a:t>
+            </a:r>
+            <a:r>
+              <a:rPr lang="en-US" dirty="0">
+                <a:hlinkClick r:id="rId3"/>
+              </a:rPr>
+              <a:t>Transforming and augmenting images — </a:t>
+            </a:r>
+            <a:r>
+              <a:rPr lang="en-US" dirty="0" err="1">
+                <a:hlinkClick r:id="rId3"/>
+              </a:rPr>
+              <a:t>Torchvision</a:t>
+            </a:r>
+            <a:r>
+              <a:rPr lang="en-US" dirty="0">
+                <a:hlinkClick r:id="rId3"/>
+              </a:rPr>
+              <a:t> 0.21 documentation</a:t>
+            </a:r>
+            <a:endParaRPr lang="en-US" dirty="0"/>
+          </a:p>
+          <a:p>
+            <a:r>
+              <a:rPr lang="en-US" dirty="0"/>
+              <a:t>Torch: </a:t>
+            </a:r>
+            <a:r>
+              <a:rPr lang="en-US" dirty="0">
+                <a:hlinkClick r:id="rId4"/>
+              </a:rPr>
+              <a:t>torch — </a:t>
+            </a:r>
+            <a:r>
+              <a:rPr lang="en-US" dirty="0" err="1">
+                <a:hlinkClick r:id="rId4"/>
+              </a:rPr>
+              <a:t>PyTorch</a:t>
+            </a:r>
+            <a:r>
+              <a:rPr lang="en-US" dirty="0">
+                <a:hlinkClick r:id="rId4"/>
+              </a:rPr>
+              <a:t> 2.6 documentation</a:t>
+            </a:r>
+            <a:endParaRPr lang="en-US" dirty="0"/>
+          </a:p>
+          <a:p>
+            <a:r>
+              <a:rPr lang="en-US" dirty="0" err="1"/>
+              <a:t>Torchaudio</a:t>
+            </a:r>
+            <a:r>
+              <a:rPr lang="en-US" dirty="0"/>
+              <a:t>: </a:t>
+            </a:r>
+            <a:r>
+              <a:rPr lang="en-US" dirty="0" err="1">
+                <a:hlinkClick r:id="rId5"/>
+              </a:rPr>
+              <a:t>Torchaudio</a:t>
+            </a:r>
+            <a:r>
+              <a:rPr lang="en-US" dirty="0">
+                <a:hlinkClick r:id="rId5"/>
+              </a:rPr>
+              <a:t> Documentation — </a:t>
+            </a:r>
+            <a:r>
+              <a:rPr lang="en-US" dirty="0" err="1">
+                <a:hlinkClick r:id="rId5"/>
+              </a:rPr>
+              <a:t>Torchaudio</a:t>
+            </a:r>
+            <a:r>
+              <a:rPr lang="en-US" dirty="0">
+                <a:hlinkClick r:id="rId5"/>
+              </a:rPr>
+              <a:t> 2.6.0 documentation</a:t>
+            </a:r>
+            <a:endParaRPr lang="en-US" dirty="0"/>
+          </a:p>
+        </p:txBody>
+      </p:sp>
+      <p:sp>
+        <p:nvSpPr>
+          <p:cNvPr id="4" name="Slide Number Placeholder 3"/>
+          <p:cNvSpPr>
+            <a:spLocks noGrp="1"/>
+          </p:cNvSpPr>
+          <p:nvPr>
+            <p:ph type="sldNum" sz="quarter" idx="5"/>
+          </p:nvPr>
+        </p:nvSpPr>
+        <p:spPr/>
+        <p:txBody>
+          <a:bodyPr/>
+          <a:lstStyle/>
+          <a:p>
+            <a:fld id="{A2A8F4BC-C725-4C16-A8C5-DEE8F557E8DF}" type="slidenum">
+              <a:rPr lang="en-US" smtClean="0"/>
+              <a:t>9</a:t>
+            </a:fld>
+            <a:endParaRPr lang="en-US"/>
+          </a:p>
+        </p:txBody>
+      </p:sp>
+    </p:spTree>
+    <p:extLst>
+      <p:ext uri="{BB962C8B-B14F-4D97-AF65-F5344CB8AC3E}">
+        <p14:creationId xmlns:p14="http://schemas.microsoft.com/office/powerpoint/2010/main" val="1535612653"/>
+      </p:ext>
+    </p:extLst>
+  </p:cSld>
+  <p:clrMapOvr>
+    <a:masterClrMapping/>
+  </p:clrMapOvr>
+</p:notes>
+</file>
+
+<file path=ppt/notesSlides/notesSlide4.xml><?xml version="1.0" encoding="utf-8"?>
+<p:notes xmlns:a="http://schemas.openxmlformats.org/drawingml/2006/main" xmlns:r="http://schemas.openxmlformats.org/officeDocument/2006/relationships" xmlns:p="http://schemas.openxmlformats.org/presentationml/2006/main">
+  <p:cSld>
+    <p:spTree>
+      <p:nvGrpSpPr>
+        <p:cNvPr id="1" name=""/>
+        <p:cNvGrpSpPr/>
+        <p:nvPr/>
+      </p:nvGrpSpPr>
+      <p:grpSpPr>
+        <a:xfrm>
+          <a:off x="0" y="0"/>
+          <a:ext cx="0" cy="0"/>
+          <a:chOff x="0" y="0"/>
+          <a:chExt cx="0" cy="0"/>
+        </a:xfrm>
+      </p:grpSpPr>
+      <p:sp>
+        <p:nvSpPr>
+          <p:cNvPr id="2" name="Slide Image Placeholder 1"/>
+          <p:cNvSpPr>
+            <a:spLocks noGrp="1" noRot="1" noChangeAspect="1"/>
+          </p:cNvSpPr>
+          <p:nvPr>
+            <p:ph type="sldImg"/>
+          </p:nvPr>
+        </p:nvSpPr>
+        <p:spPr/>
+      </p:sp>
+      <p:sp>
+        <p:nvSpPr>
+          <p:cNvPr id="3" name="Notes Placeholder 2"/>
+          <p:cNvSpPr>
+            <a:spLocks noGrp="1"/>
+          </p:cNvSpPr>
+          <p:nvPr>
+            <p:ph type="body" idx="1"/>
+          </p:nvPr>
+        </p:nvSpPr>
+        <p:spPr/>
+        <p:txBody>
+          <a:bodyPr/>
+          <a:lstStyle/>
+          <a:p>
+            <a:r>
+              <a:rPr lang="en-US" dirty="0">
+                <a:hlinkClick r:id="rId3"/>
+              </a:rPr>
+              <a:t>A Gentle Introduction to </a:t>
+            </a:r>
+            <a:r>
+              <a:rPr lang="en-US" dirty="0" err="1">
+                <a:hlinkClick r:id="rId3"/>
+              </a:rPr>
+              <a:t>torch.autograd</a:t>
+            </a:r>
+            <a:r>
+              <a:rPr lang="en-US" dirty="0">
+                <a:hlinkClick r:id="rId3"/>
+              </a:rPr>
+              <a:t> — </a:t>
+            </a:r>
+            <a:r>
+              <a:rPr lang="en-US" dirty="0" err="1">
+                <a:hlinkClick r:id="rId3"/>
+              </a:rPr>
+              <a:t>PyTorch</a:t>
+            </a:r>
+            <a:r>
+              <a:rPr lang="en-US" dirty="0">
+                <a:hlinkClick r:id="rId3"/>
+              </a:rPr>
+              <a:t> Tutorials 2.6.0+cu124 documentation</a:t>
+            </a:r>
+            <a:endParaRPr lang="en-US" dirty="0"/>
+          </a:p>
+        </p:txBody>
+      </p:sp>
+      <p:sp>
+        <p:nvSpPr>
+          <p:cNvPr id="4" name="Slide Number Placeholder 3"/>
+          <p:cNvSpPr>
+            <a:spLocks noGrp="1"/>
+          </p:cNvSpPr>
+          <p:nvPr>
+            <p:ph type="sldNum" sz="quarter" idx="5"/>
+          </p:nvPr>
+        </p:nvSpPr>
+        <p:spPr/>
+        <p:txBody>
+          <a:bodyPr/>
+          <a:lstStyle/>
+          <a:p>
+            <a:fld id="{A2A8F4BC-C725-4C16-A8C5-DEE8F557E8DF}" type="slidenum">
+              <a:rPr lang="en-US" smtClean="0"/>
+              <a:t>13</a:t>
+            </a:fld>
+            <a:endParaRPr lang="en-US"/>
+          </a:p>
+        </p:txBody>
+      </p:sp>
+    </p:spTree>
+    <p:extLst>
+      <p:ext uri="{BB962C8B-B14F-4D97-AF65-F5344CB8AC3E}">
+        <p14:creationId xmlns:p14="http://schemas.microsoft.com/office/powerpoint/2010/main" val="3834564995"/>
       </p:ext>
     </p:extLst>
   </p:cSld>
@@ -704,7 +1192,7 @@
           <a:p>
             <a:fld id="{3A83C322-7DAC-4BE3-8553-BB1CD56FFA4E}" type="datetimeFigureOut">
               <a:rPr lang="en-US" smtClean="0"/>
-              <a:t>3/22/2025</a:t>
+              <a:t>3/31/2025</a:t>
             </a:fld>
             <a:endParaRPr lang="en-US"/>
           </a:p>
@@ -902,7 +1390,7 @@
           <a:p>
             <a:fld id="{3A83C322-7DAC-4BE3-8553-BB1CD56FFA4E}" type="datetimeFigureOut">
               <a:rPr lang="en-US" smtClean="0"/>
-              <a:t>3/22/2025</a:t>
+              <a:t>3/31/2025</a:t>
             </a:fld>
             <a:endParaRPr lang="en-US"/>
           </a:p>
@@ -1110,7 +1598,7 @@
           <a:p>
             <a:fld id="{3A83C322-7DAC-4BE3-8553-BB1CD56FFA4E}" type="datetimeFigureOut">
               <a:rPr lang="en-US" smtClean="0"/>
-              <a:t>3/22/2025</a:t>
+              <a:t>3/31/2025</a:t>
             </a:fld>
             <a:endParaRPr lang="en-US"/>
           </a:p>
@@ -1308,7 +1796,7 @@
           <a:p>
             <a:fld id="{3A83C322-7DAC-4BE3-8553-BB1CD56FFA4E}" type="datetimeFigureOut">
               <a:rPr lang="en-US" smtClean="0"/>
-              <a:t>3/22/2025</a:t>
+              <a:t>3/31/2025</a:t>
             </a:fld>
             <a:endParaRPr lang="en-US"/>
           </a:p>
@@ -1583,7 +2071,7 @@
           <a:p>
             <a:fld id="{3A83C322-7DAC-4BE3-8553-BB1CD56FFA4E}" type="datetimeFigureOut">
               <a:rPr lang="en-US" smtClean="0"/>
-              <a:t>3/22/2025</a:t>
+              <a:t>3/31/2025</a:t>
             </a:fld>
             <a:endParaRPr lang="en-US"/>
           </a:p>
@@ -1848,7 +2336,7 @@
           <a:p>
             <a:fld id="{3A83C322-7DAC-4BE3-8553-BB1CD56FFA4E}" type="datetimeFigureOut">
               <a:rPr lang="en-US" smtClean="0"/>
-              <a:t>3/22/2025</a:t>
+              <a:t>3/31/2025</a:t>
             </a:fld>
             <a:endParaRPr lang="en-US"/>
           </a:p>
@@ -2260,7 +2748,7 @@
           <a:p>
             <a:fld id="{3A83C322-7DAC-4BE3-8553-BB1CD56FFA4E}" type="datetimeFigureOut">
               <a:rPr lang="en-US" smtClean="0"/>
-              <a:t>3/22/2025</a:t>
+              <a:t>3/31/2025</a:t>
             </a:fld>
             <a:endParaRPr lang="en-US"/>
           </a:p>
@@ -2401,7 +2889,7 @@
           <a:p>
             <a:fld id="{3A83C322-7DAC-4BE3-8553-BB1CD56FFA4E}" type="datetimeFigureOut">
               <a:rPr lang="en-US" smtClean="0"/>
-              <a:t>3/22/2025</a:t>
+              <a:t>3/31/2025</a:t>
             </a:fld>
             <a:endParaRPr lang="en-US"/>
           </a:p>
@@ -2514,7 +3002,7 @@
           <a:p>
             <a:fld id="{3A83C322-7DAC-4BE3-8553-BB1CD56FFA4E}" type="datetimeFigureOut">
               <a:rPr lang="en-US" smtClean="0"/>
-              <a:t>3/22/2025</a:t>
+              <a:t>3/31/2025</a:t>
             </a:fld>
             <a:endParaRPr lang="en-US"/>
           </a:p>
@@ -2825,7 +3313,7 @@
           <a:p>
             <a:fld id="{3A83C322-7DAC-4BE3-8553-BB1CD56FFA4E}" type="datetimeFigureOut">
               <a:rPr lang="en-US" smtClean="0"/>
-              <a:t>3/22/2025</a:t>
+              <a:t>3/31/2025</a:t>
             </a:fld>
             <a:endParaRPr lang="en-US"/>
           </a:p>
@@ -3113,7 +3601,7 @@
           <a:p>
             <a:fld id="{3A83C322-7DAC-4BE3-8553-BB1CD56FFA4E}" type="datetimeFigureOut">
               <a:rPr lang="en-US" smtClean="0"/>
-              <a:t>3/22/2025</a:t>
+              <a:t>3/31/2025</a:t>
             </a:fld>
             <a:endParaRPr lang="en-US"/>
           </a:p>
@@ -3354,7 +3842,7 @@
           <a:p>
             <a:fld id="{3A83C322-7DAC-4BE3-8553-BB1CD56FFA4E}" type="datetimeFigureOut">
               <a:rPr lang="en-US" smtClean="0"/>
-              <a:t>3/22/2025</a:t>
+              <a:t>3/31/2025</a:t>
             </a:fld>
             <a:endParaRPr lang="en-US"/>
           </a:p>
@@ -3825,7 +4313,10 @@
           <a:bodyPr/>
           <a:lstStyle/>
           <a:p>
-            <a:endParaRPr lang="en-US"/>
+            <a:r>
+              <a:rPr lang="en-US"/>
+              <a:t>Parker Gage</a:t>
+            </a:r>
           </a:p>
         </p:txBody>
       </p:sp>
@@ -3833,6 +4324,777 @@
     <p:extLst>
       <p:ext uri="{BB962C8B-B14F-4D97-AF65-F5344CB8AC3E}">
         <p14:creationId xmlns:p14="http://schemas.microsoft.com/office/powerpoint/2010/main" val="2523246746"/>
+      </p:ext>
+    </p:extLst>
+  </p:cSld>
+  <p:clrMapOvr>
+    <a:masterClrMapping/>
+  </p:clrMapOvr>
+</p:sld>
+</file>
+
+<file path=ppt/slides/slide10.xml><?xml version="1.0" encoding="utf-8"?>
+<p:sld xmlns:a="http://schemas.openxmlformats.org/drawingml/2006/main" xmlns:r="http://schemas.openxmlformats.org/officeDocument/2006/relationships" xmlns:p="http://schemas.openxmlformats.org/presentationml/2006/main">
+  <p:cSld>
+    <p:spTree>
+      <p:nvGrpSpPr>
+        <p:cNvPr id="1" name=""/>
+        <p:cNvGrpSpPr/>
+        <p:nvPr/>
+      </p:nvGrpSpPr>
+      <p:grpSpPr>
+        <a:xfrm>
+          <a:off x="0" y="0"/>
+          <a:ext cx="0" cy="0"/>
+          <a:chOff x="0" y="0"/>
+          <a:chExt cx="0" cy="0"/>
+        </a:xfrm>
+      </p:grpSpPr>
+      <p:sp>
+        <p:nvSpPr>
+          <p:cNvPr id="2" name="Title 1">
+            <a:extLst>
+              <a:ext uri="{FF2B5EF4-FFF2-40B4-BE49-F238E27FC236}">
+                <a16:creationId xmlns:a16="http://schemas.microsoft.com/office/drawing/2014/main" id="{79FD6840-C57F-FC2F-E676-524D6D90C090}"/>
+              </a:ext>
+            </a:extLst>
+          </p:cNvPr>
+          <p:cNvSpPr>
+            <a:spLocks noGrp="1"/>
+          </p:cNvSpPr>
+          <p:nvPr>
+            <p:ph type="title"/>
+          </p:nvPr>
+        </p:nvSpPr>
+        <p:spPr/>
+        <p:txBody>
+          <a:bodyPr/>
+          <a:lstStyle/>
+          <a:p>
+            <a:r>
+              <a:rPr lang="en-US" dirty="0" err="1"/>
+              <a:t>Torch.nn</a:t>
+            </a:r>
+            <a:endParaRPr lang="en-US" dirty="0"/>
+          </a:p>
+        </p:txBody>
+      </p:sp>
+      <p:sp>
+        <p:nvSpPr>
+          <p:cNvPr id="3" name="Content Placeholder 2">
+            <a:extLst>
+              <a:ext uri="{FF2B5EF4-FFF2-40B4-BE49-F238E27FC236}">
+                <a16:creationId xmlns:a16="http://schemas.microsoft.com/office/drawing/2014/main" id="{C3E00641-1E4B-0BF3-7D6E-B6F1F4A2EBEC}"/>
+              </a:ext>
+            </a:extLst>
+          </p:cNvPr>
+          <p:cNvSpPr>
+            <a:spLocks noGrp="1"/>
+          </p:cNvSpPr>
+          <p:nvPr>
+            <p:ph sz="half" idx="1"/>
+          </p:nvPr>
+        </p:nvSpPr>
+        <p:spPr/>
+        <p:txBody>
+          <a:bodyPr>
+            <a:normAutofit lnSpcReduction="10000"/>
+          </a:bodyPr>
+          <a:lstStyle/>
+          <a:p>
+            <a:r>
+              <a:rPr lang="en-US" dirty="0" err="1"/>
+              <a:t>Torch.nn.Linear</a:t>
+            </a:r>
+            <a:endParaRPr lang="en-US" dirty="0"/>
+          </a:p>
+          <a:p>
+            <a:pPr lvl="1"/>
+            <a:r>
+              <a:rPr lang="en-US" dirty="0"/>
+              <a:t>Used to create a linear layer in your model</a:t>
+            </a:r>
+          </a:p>
+          <a:p>
+            <a:r>
+              <a:rPr lang="en-US" dirty="0" err="1"/>
+              <a:t>Torch.nn.Module</a:t>
+            </a:r>
+            <a:endParaRPr lang="en-US" dirty="0"/>
+          </a:p>
+          <a:p>
+            <a:pPr lvl="1"/>
+            <a:r>
+              <a:rPr lang="en-US" dirty="0"/>
+              <a:t>Is the foundation of the custom model that you create.</a:t>
+            </a:r>
+          </a:p>
+          <a:p>
+            <a:endParaRPr lang="en-US" dirty="0"/>
+          </a:p>
+          <a:p>
+            <a:r>
+              <a:rPr lang="en-US" dirty="0" err="1"/>
+              <a:t>Torch.nn.crossentropyloss</a:t>
+            </a:r>
+            <a:endParaRPr lang="en-US" dirty="0"/>
+          </a:p>
+          <a:p>
+            <a:pPr lvl="1"/>
+            <a:r>
+              <a:rPr lang="en-US" dirty="0"/>
+              <a:t>Loss function, difference between model prediction and result</a:t>
+            </a:r>
+          </a:p>
+        </p:txBody>
+      </p:sp>
+      <p:pic>
+        <p:nvPicPr>
+          <p:cNvPr id="6" name="Content Placeholder 5">
+            <a:extLst>
+              <a:ext uri="{FF2B5EF4-FFF2-40B4-BE49-F238E27FC236}">
+                <a16:creationId xmlns:a16="http://schemas.microsoft.com/office/drawing/2014/main" id="{579887CD-0894-7EDD-D710-B8F7C641F520}"/>
+              </a:ext>
+            </a:extLst>
+          </p:cNvPr>
+          <p:cNvPicPr>
+            <a:picLocks noGrp="1" noChangeAspect="1"/>
+          </p:cNvPicPr>
+          <p:nvPr>
+            <p:ph sz="half" idx="2"/>
+          </p:nvPr>
+        </p:nvPicPr>
+        <p:blipFill>
+          <a:blip r:embed="rId2"/>
+          <a:stretch>
+            <a:fillRect/>
+          </a:stretch>
+        </p:blipFill>
+        <p:spPr>
+          <a:xfrm>
+            <a:off x="7956451" y="1690688"/>
+            <a:ext cx="2677005" cy="3762278"/>
+          </a:xfrm>
+        </p:spPr>
+      </p:pic>
+    </p:spTree>
+    <p:extLst>
+      <p:ext uri="{BB962C8B-B14F-4D97-AF65-F5344CB8AC3E}">
+        <p14:creationId xmlns:p14="http://schemas.microsoft.com/office/powerpoint/2010/main" val="85186869"/>
+      </p:ext>
+    </p:extLst>
+  </p:cSld>
+  <p:clrMapOvr>
+    <a:masterClrMapping/>
+  </p:clrMapOvr>
+</p:sld>
+</file>
+
+<file path=ppt/slides/slide11.xml><?xml version="1.0" encoding="utf-8"?>
+<p:sld xmlns:a="http://schemas.openxmlformats.org/drawingml/2006/main" xmlns:r="http://schemas.openxmlformats.org/officeDocument/2006/relationships" xmlns:p="http://schemas.openxmlformats.org/presentationml/2006/main">
+  <p:cSld>
+    <p:spTree>
+      <p:nvGrpSpPr>
+        <p:cNvPr id="1" name=""/>
+        <p:cNvGrpSpPr/>
+        <p:nvPr/>
+      </p:nvGrpSpPr>
+      <p:grpSpPr>
+        <a:xfrm>
+          <a:off x="0" y="0"/>
+          <a:ext cx="0" cy="0"/>
+          <a:chOff x="0" y="0"/>
+          <a:chExt cx="0" cy="0"/>
+        </a:xfrm>
+      </p:grpSpPr>
+      <p:sp>
+        <p:nvSpPr>
+          <p:cNvPr id="2" name="Title 1">
+            <a:extLst>
+              <a:ext uri="{FF2B5EF4-FFF2-40B4-BE49-F238E27FC236}">
+                <a16:creationId xmlns:a16="http://schemas.microsoft.com/office/drawing/2014/main" id="{2384133A-E922-9C4E-F0C7-0F476665BFF9}"/>
+              </a:ext>
+            </a:extLst>
+          </p:cNvPr>
+          <p:cNvSpPr>
+            <a:spLocks noGrp="1"/>
+          </p:cNvSpPr>
+          <p:nvPr>
+            <p:ph type="title"/>
+          </p:nvPr>
+        </p:nvSpPr>
+        <p:spPr/>
+        <p:txBody>
+          <a:bodyPr/>
+          <a:lstStyle/>
+          <a:p>
+            <a:r>
+              <a:rPr lang="en-US" dirty="0" err="1"/>
+              <a:t>Torch.utils</a:t>
+            </a:r>
+            <a:endParaRPr lang="en-US" dirty="0"/>
+          </a:p>
+        </p:txBody>
+      </p:sp>
+      <p:sp>
+        <p:nvSpPr>
+          <p:cNvPr id="3" name="Content Placeholder 2">
+            <a:extLst>
+              <a:ext uri="{FF2B5EF4-FFF2-40B4-BE49-F238E27FC236}">
+                <a16:creationId xmlns:a16="http://schemas.microsoft.com/office/drawing/2014/main" id="{483578D8-B37E-20BB-9C8F-C8A20DA05D69}"/>
+              </a:ext>
+            </a:extLst>
+          </p:cNvPr>
+          <p:cNvSpPr>
+            <a:spLocks noGrp="1"/>
+          </p:cNvSpPr>
+          <p:nvPr>
+            <p:ph idx="1"/>
+          </p:nvPr>
+        </p:nvSpPr>
+        <p:spPr/>
+        <p:txBody>
+          <a:bodyPr/>
+          <a:lstStyle/>
+          <a:p>
+            <a:r>
+              <a:rPr lang="en-US" dirty="0"/>
+              <a:t>Torch.utils.data import Dataset</a:t>
+            </a:r>
+          </a:p>
+          <a:p>
+            <a:pPr lvl="1"/>
+            <a:r>
+              <a:rPr lang="en-US" dirty="0"/>
+              <a:t>Helps you import your data into a tensor.</a:t>
+            </a:r>
+          </a:p>
+          <a:p>
+            <a:r>
+              <a:rPr lang="en-US" dirty="0"/>
+              <a:t>Torch.utils.data import </a:t>
+            </a:r>
+            <a:r>
+              <a:rPr lang="en-US" dirty="0" err="1"/>
+              <a:t>DataLoader</a:t>
+            </a:r>
+            <a:endParaRPr lang="en-US" dirty="0"/>
+          </a:p>
+          <a:p>
+            <a:pPr lvl="1"/>
+            <a:r>
+              <a:rPr lang="en-US" dirty="0"/>
+              <a:t>Lets you change settings like batch size or is the data going to be randomized</a:t>
+            </a:r>
+          </a:p>
+          <a:p>
+            <a:pPr marL="457200" lvl="1" indent="0">
+              <a:buNone/>
+            </a:pPr>
+            <a:endParaRPr lang="en-US" dirty="0"/>
+          </a:p>
+          <a:p>
+            <a:endParaRPr lang="en-US" dirty="0"/>
+          </a:p>
+        </p:txBody>
+      </p:sp>
+    </p:spTree>
+    <p:extLst>
+      <p:ext uri="{BB962C8B-B14F-4D97-AF65-F5344CB8AC3E}">
+        <p14:creationId xmlns:p14="http://schemas.microsoft.com/office/powerpoint/2010/main" val="1411228058"/>
+      </p:ext>
+    </p:extLst>
+  </p:cSld>
+  <p:clrMapOvr>
+    <a:masterClrMapping/>
+  </p:clrMapOvr>
+</p:sld>
+</file>
+
+<file path=ppt/slides/slide12.xml><?xml version="1.0" encoding="utf-8"?>
+<p:sld xmlns:a="http://schemas.openxmlformats.org/drawingml/2006/main" xmlns:r="http://schemas.openxmlformats.org/officeDocument/2006/relationships" xmlns:p="http://schemas.openxmlformats.org/presentationml/2006/main">
+  <p:cSld>
+    <p:spTree>
+      <p:nvGrpSpPr>
+        <p:cNvPr id="1" name=""/>
+        <p:cNvGrpSpPr/>
+        <p:nvPr/>
+      </p:nvGrpSpPr>
+      <p:grpSpPr>
+        <a:xfrm>
+          <a:off x="0" y="0"/>
+          <a:ext cx="0" cy="0"/>
+          <a:chOff x="0" y="0"/>
+          <a:chExt cx="0" cy="0"/>
+        </a:xfrm>
+      </p:grpSpPr>
+      <p:sp>
+        <p:nvSpPr>
+          <p:cNvPr id="2" name="Title 1">
+            <a:extLst>
+              <a:ext uri="{FF2B5EF4-FFF2-40B4-BE49-F238E27FC236}">
+                <a16:creationId xmlns:a16="http://schemas.microsoft.com/office/drawing/2014/main" id="{47FF96DA-0DD9-7A14-7A1D-F5CACF1D7DBF}"/>
+              </a:ext>
+            </a:extLst>
+          </p:cNvPr>
+          <p:cNvSpPr>
+            <a:spLocks noGrp="1"/>
+          </p:cNvSpPr>
+          <p:nvPr>
+            <p:ph type="title"/>
+          </p:nvPr>
+        </p:nvSpPr>
+        <p:spPr/>
+        <p:txBody>
+          <a:bodyPr/>
+          <a:lstStyle/>
+          <a:p>
+            <a:r>
+              <a:rPr lang="en-US" dirty="0" err="1"/>
+              <a:t>Torch.optim</a:t>
+            </a:r>
+            <a:endParaRPr lang="en-US" dirty="0"/>
+          </a:p>
+        </p:txBody>
+      </p:sp>
+      <p:sp>
+        <p:nvSpPr>
+          <p:cNvPr id="3" name="Content Placeholder 2">
+            <a:extLst>
+              <a:ext uri="{FF2B5EF4-FFF2-40B4-BE49-F238E27FC236}">
+                <a16:creationId xmlns:a16="http://schemas.microsoft.com/office/drawing/2014/main" id="{1A44ABB4-CF97-F4A0-C0C1-03F460F231D7}"/>
+              </a:ext>
+            </a:extLst>
+          </p:cNvPr>
+          <p:cNvSpPr>
+            <a:spLocks noGrp="1"/>
+          </p:cNvSpPr>
+          <p:nvPr>
+            <p:ph idx="1"/>
+          </p:nvPr>
+        </p:nvSpPr>
+        <p:spPr/>
+        <p:txBody>
+          <a:bodyPr/>
+          <a:lstStyle/>
+          <a:p>
+            <a:r>
+              <a:rPr lang="en-US" dirty="0"/>
+              <a:t>Helps you optimize your model</a:t>
+            </a:r>
+          </a:p>
+          <a:p>
+            <a:pPr lvl="1"/>
+            <a:r>
+              <a:rPr lang="en-US" dirty="0"/>
+              <a:t>Changing of weights and help you refine your model.</a:t>
+            </a:r>
+          </a:p>
+          <a:p>
+            <a:r>
+              <a:rPr lang="en-US" dirty="0"/>
+              <a:t>Popular premade optimizers include Adam and SGD</a:t>
+            </a:r>
+          </a:p>
+        </p:txBody>
+      </p:sp>
+      <p:pic>
+        <p:nvPicPr>
+          <p:cNvPr id="5" name="Picture 4">
+            <a:extLst>
+              <a:ext uri="{FF2B5EF4-FFF2-40B4-BE49-F238E27FC236}">
+                <a16:creationId xmlns:a16="http://schemas.microsoft.com/office/drawing/2014/main" id="{91715F72-C68E-53DF-C6D6-5CE43DD08689}"/>
+              </a:ext>
+            </a:extLst>
+          </p:cNvPr>
+          <p:cNvPicPr>
+            <a:picLocks noChangeAspect="1"/>
+          </p:cNvPicPr>
+          <p:nvPr/>
+        </p:nvPicPr>
+        <p:blipFill>
+          <a:blip r:embed="rId2"/>
+          <a:stretch>
+            <a:fillRect/>
+          </a:stretch>
+        </p:blipFill>
+        <p:spPr>
+          <a:xfrm>
+            <a:off x="1385110" y="4317801"/>
+            <a:ext cx="7001852" cy="771633"/>
+          </a:xfrm>
+          <a:prstGeom prst="rect">
+            <a:avLst/>
+          </a:prstGeom>
+        </p:spPr>
+      </p:pic>
+    </p:spTree>
+    <p:extLst>
+      <p:ext uri="{BB962C8B-B14F-4D97-AF65-F5344CB8AC3E}">
+        <p14:creationId xmlns:p14="http://schemas.microsoft.com/office/powerpoint/2010/main" val="3963398059"/>
+      </p:ext>
+    </p:extLst>
+  </p:cSld>
+  <p:clrMapOvr>
+    <a:masterClrMapping/>
+  </p:clrMapOvr>
+</p:sld>
+</file>
+
+<file path=ppt/slides/slide13.xml><?xml version="1.0" encoding="utf-8"?>
+<p:sld xmlns:a="http://schemas.openxmlformats.org/drawingml/2006/main" xmlns:r="http://schemas.openxmlformats.org/officeDocument/2006/relationships" xmlns:p="http://schemas.openxmlformats.org/presentationml/2006/main">
+  <p:cSld>
+    <p:spTree>
+      <p:nvGrpSpPr>
+        <p:cNvPr id="1" name=""/>
+        <p:cNvGrpSpPr/>
+        <p:nvPr/>
+      </p:nvGrpSpPr>
+      <p:grpSpPr>
+        <a:xfrm>
+          <a:off x="0" y="0"/>
+          <a:ext cx="0" cy="0"/>
+          <a:chOff x="0" y="0"/>
+          <a:chExt cx="0" cy="0"/>
+        </a:xfrm>
+      </p:grpSpPr>
+      <p:sp>
+        <p:nvSpPr>
+          <p:cNvPr id="2" name="Title 1">
+            <a:extLst>
+              <a:ext uri="{FF2B5EF4-FFF2-40B4-BE49-F238E27FC236}">
+                <a16:creationId xmlns:a16="http://schemas.microsoft.com/office/drawing/2014/main" id="{12DBA65A-D493-0CBC-07DA-8F8E50C9516D}"/>
+              </a:ext>
+            </a:extLst>
+          </p:cNvPr>
+          <p:cNvSpPr>
+            <a:spLocks noGrp="1"/>
+          </p:cNvSpPr>
+          <p:nvPr>
+            <p:ph type="title"/>
+          </p:nvPr>
+        </p:nvSpPr>
+        <p:spPr/>
+        <p:txBody>
+          <a:bodyPr/>
+          <a:lstStyle/>
+          <a:p>
+            <a:r>
+              <a:rPr lang="en-US" dirty="0" err="1"/>
+              <a:t>Torch.autograd</a:t>
+            </a:r>
+            <a:endParaRPr lang="en-US" dirty="0"/>
+          </a:p>
+        </p:txBody>
+      </p:sp>
+      <p:sp>
+        <p:nvSpPr>
+          <p:cNvPr id="3" name="Content Placeholder 2">
+            <a:extLst>
+              <a:ext uri="{FF2B5EF4-FFF2-40B4-BE49-F238E27FC236}">
+                <a16:creationId xmlns:a16="http://schemas.microsoft.com/office/drawing/2014/main" id="{C9A4F091-19A5-84F7-F3C5-8F80C0223D93}"/>
+              </a:ext>
+            </a:extLst>
+          </p:cNvPr>
+          <p:cNvSpPr>
+            <a:spLocks noGrp="1"/>
+          </p:cNvSpPr>
+          <p:nvPr>
+            <p:ph idx="1"/>
+          </p:nvPr>
+        </p:nvSpPr>
+        <p:spPr/>
+        <p:txBody>
+          <a:bodyPr/>
+          <a:lstStyle/>
+          <a:p>
+            <a:r>
+              <a:rPr lang="en-US" dirty="0"/>
+              <a:t>Forward Propagation – looks at the inputs and runs them through its neural networks to arrive at the output.</a:t>
+            </a:r>
+          </a:p>
+          <a:p>
+            <a:r>
+              <a:rPr lang="en-US" dirty="0"/>
+              <a:t>Backward Propagation – starts at the output and works its way backwards using partial derivatives.</a:t>
+            </a:r>
+          </a:p>
+        </p:txBody>
+      </p:sp>
+    </p:spTree>
+    <p:extLst>
+      <p:ext uri="{BB962C8B-B14F-4D97-AF65-F5344CB8AC3E}">
+        <p14:creationId xmlns:p14="http://schemas.microsoft.com/office/powerpoint/2010/main" val="2751116391"/>
+      </p:ext>
+    </p:extLst>
+  </p:cSld>
+  <p:clrMapOvr>
+    <a:masterClrMapping/>
+  </p:clrMapOvr>
+</p:sld>
+</file>
+
+<file path=ppt/slides/slide14.xml><?xml version="1.0" encoding="utf-8"?>
+<p:sld xmlns:a="http://schemas.openxmlformats.org/drawingml/2006/main" xmlns:r="http://schemas.openxmlformats.org/officeDocument/2006/relationships" xmlns:p="http://schemas.openxmlformats.org/presentationml/2006/main">
+  <p:cSld>
+    <p:spTree>
+      <p:nvGrpSpPr>
+        <p:cNvPr id="1" name=""/>
+        <p:cNvGrpSpPr/>
+        <p:nvPr/>
+      </p:nvGrpSpPr>
+      <p:grpSpPr>
+        <a:xfrm>
+          <a:off x="0" y="0"/>
+          <a:ext cx="0" cy="0"/>
+          <a:chOff x="0" y="0"/>
+          <a:chExt cx="0" cy="0"/>
+        </a:xfrm>
+      </p:grpSpPr>
+      <p:sp>
+        <p:nvSpPr>
+          <p:cNvPr id="2" name="Title 1">
+            <a:extLst>
+              <a:ext uri="{FF2B5EF4-FFF2-40B4-BE49-F238E27FC236}">
+                <a16:creationId xmlns:a16="http://schemas.microsoft.com/office/drawing/2014/main" id="{8ECA518D-DC5A-30B3-BDDD-7ECC46A54559}"/>
+              </a:ext>
+            </a:extLst>
+          </p:cNvPr>
+          <p:cNvSpPr>
+            <a:spLocks noGrp="1"/>
+          </p:cNvSpPr>
+          <p:nvPr>
+            <p:ph type="title"/>
+          </p:nvPr>
+        </p:nvSpPr>
+        <p:spPr/>
+        <p:txBody>
+          <a:bodyPr/>
+          <a:lstStyle/>
+          <a:p>
+            <a:r>
+              <a:rPr lang="en-US" dirty="0"/>
+              <a:t>Bibliography</a:t>
+            </a:r>
+          </a:p>
+        </p:txBody>
+      </p:sp>
+      <p:sp>
+        <p:nvSpPr>
+          <p:cNvPr id="3" name="Content Placeholder 2">
+            <a:extLst>
+              <a:ext uri="{FF2B5EF4-FFF2-40B4-BE49-F238E27FC236}">
+                <a16:creationId xmlns:a16="http://schemas.microsoft.com/office/drawing/2014/main" id="{B55BA5F5-7822-197E-B3E4-ADCB652AE614}"/>
+              </a:ext>
+            </a:extLst>
+          </p:cNvPr>
+          <p:cNvSpPr>
+            <a:spLocks noGrp="1"/>
+          </p:cNvSpPr>
+          <p:nvPr>
+            <p:ph idx="1"/>
+          </p:nvPr>
+        </p:nvSpPr>
+        <p:spPr/>
+        <p:txBody>
+          <a:bodyPr>
+            <a:normAutofit fontScale="77500" lnSpcReduction="20000"/>
+          </a:bodyPr>
+          <a:lstStyle/>
+          <a:p>
+            <a:r>
+              <a:rPr lang="en-US" dirty="0">
+                <a:hlinkClick r:id="rId2"/>
+              </a:rPr>
+              <a:t>https://ai.meta.com/tools/pytorch/</a:t>
+            </a:r>
+            <a:endParaRPr lang="en-US" dirty="0"/>
+          </a:p>
+          <a:p>
+            <a:r>
+              <a:rPr lang="en-US" dirty="0">
+                <a:hlinkClick r:id="rId3"/>
+              </a:rPr>
+              <a:t>https://static.wikia.nocookie.net/speedsolving/images/a/a1/Rubik%27s_Cube_transparency.png/revision/latest/scale-to-width-down/1200?cb=20141018181906</a:t>
+            </a:r>
+            <a:endParaRPr lang="en-US" dirty="0"/>
+          </a:p>
+          <a:p>
+            <a:r>
+              <a:rPr lang="en-US" dirty="0">
+                <a:hlinkClick r:id="rId4"/>
+              </a:rPr>
+              <a:t>https://media.licdn.com/dms/image/v2/D4D12AQGBWEH55J0srw/article-cover_image-shrink_600_2000/article-cover_image-shrink_600_2000/0/1686308835063?e=2147483647&amp;v=beta&amp;t=unycJxyxEuLjKUY9yoB2P6WgKP8j5-QITqkV9jYln-Y</a:t>
+            </a:r>
+            <a:endParaRPr lang="en-US" dirty="0"/>
+          </a:p>
+          <a:p>
+            <a:r>
+              <a:rPr lang="en-US" dirty="0" err="1">
+                <a:hlinkClick r:id="rId5"/>
+              </a:rPr>
+              <a:t>Autograd</a:t>
+            </a:r>
+            <a:r>
+              <a:rPr lang="en-US" dirty="0">
+                <a:hlinkClick r:id="rId5"/>
+              </a:rPr>
+              <a:t> mechanics — </a:t>
+            </a:r>
+            <a:r>
+              <a:rPr lang="en-US" dirty="0" err="1">
+                <a:hlinkClick r:id="rId5"/>
+              </a:rPr>
+              <a:t>PyTorch</a:t>
+            </a:r>
+            <a:r>
+              <a:rPr lang="en-US" dirty="0">
+                <a:hlinkClick r:id="rId5"/>
+              </a:rPr>
+              <a:t> 2.6 documentation</a:t>
+            </a:r>
+            <a:endParaRPr lang="en-US" dirty="0"/>
+          </a:p>
+          <a:p>
+            <a:r>
+              <a:rPr lang="en-US" dirty="0">
+                <a:hlinkClick r:id="rId6"/>
+              </a:rPr>
+              <a:t>A Gentle Introduction to </a:t>
+            </a:r>
+            <a:r>
+              <a:rPr lang="en-US" dirty="0" err="1">
+                <a:hlinkClick r:id="rId6"/>
+              </a:rPr>
+              <a:t>torch.autograd</a:t>
+            </a:r>
+            <a:r>
+              <a:rPr lang="en-US" dirty="0">
+                <a:hlinkClick r:id="rId6"/>
+              </a:rPr>
+              <a:t> — </a:t>
+            </a:r>
+            <a:r>
+              <a:rPr lang="en-US" dirty="0" err="1">
+                <a:hlinkClick r:id="rId6"/>
+              </a:rPr>
+              <a:t>PyTorch</a:t>
+            </a:r>
+            <a:r>
+              <a:rPr lang="en-US" dirty="0">
+                <a:hlinkClick r:id="rId6"/>
+              </a:rPr>
+              <a:t> Tutorials 2.6.0+cu124 documentation</a:t>
+            </a:r>
+            <a:endParaRPr lang="en-US" dirty="0"/>
+          </a:p>
+          <a:p>
+            <a:r>
+              <a:rPr lang="en-US" dirty="0" err="1"/>
+              <a:t>Torchvision</a:t>
+            </a:r>
+            <a:r>
+              <a:rPr lang="en-US" dirty="0"/>
+              <a:t>: </a:t>
+            </a:r>
+            <a:r>
+              <a:rPr lang="en-US" dirty="0">
+                <a:hlinkClick r:id="rId7"/>
+              </a:rPr>
+              <a:t>Transforming and augmenting images — </a:t>
+            </a:r>
+            <a:r>
+              <a:rPr lang="en-US" dirty="0" err="1">
+                <a:hlinkClick r:id="rId7"/>
+              </a:rPr>
+              <a:t>Torchvision</a:t>
+            </a:r>
+            <a:r>
+              <a:rPr lang="en-US" dirty="0">
+                <a:hlinkClick r:id="rId7"/>
+              </a:rPr>
+              <a:t> 0.21 documentation</a:t>
+            </a:r>
+            <a:endParaRPr lang="en-US" dirty="0"/>
+          </a:p>
+          <a:p>
+            <a:r>
+              <a:rPr lang="en-US" dirty="0"/>
+              <a:t>Torch: </a:t>
+            </a:r>
+            <a:r>
+              <a:rPr lang="en-US" dirty="0">
+                <a:hlinkClick r:id="rId8"/>
+              </a:rPr>
+              <a:t>torch — </a:t>
+            </a:r>
+            <a:r>
+              <a:rPr lang="en-US" dirty="0" err="1">
+                <a:hlinkClick r:id="rId8"/>
+              </a:rPr>
+              <a:t>PyTorch</a:t>
+            </a:r>
+            <a:r>
+              <a:rPr lang="en-US" dirty="0">
+                <a:hlinkClick r:id="rId8"/>
+              </a:rPr>
+              <a:t> 2.6 documentation</a:t>
+            </a:r>
+            <a:endParaRPr lang="en-US" dirty="0"/>
+          </a:p>
+          <a:p>
+            <a:r>
+              <a:rPr lang="en-US" dirty="0" err="1"/>
+              <a:t>Torchaudio</a:t>
+            </a:r>
+            <a:r>
+              <a:rPr lang="en-US" dirty="0"/>
+              <a:t>: </a:t>
+            </a:r>
+            <a:r>
+              <a:rPr lang="en-US" dirty="0" err="1">
+                <a:hlinkClick r:id="rId9"/>
+              </a:rPr>
+              <a:t>Torchaudio</a:t>
+            </a:r>
+            <a:r>
+              <a:rPr lang="en-US" dirty="0">
+                <a:hlinkClick r:id="rId9"/>
+              </a:rPr>
+              <a:t> Documentation — </a:t>
+            </a:r>
+            <a:r>
+              <a:rPr lang="en-US" dirty="0" err="1">
+                <a:hlinkClick r:id="rId9"/>
+              </a:rPr>
+              <a:t>Torchaudio</a:t>
+            </a:r>
+            <a:r>
+              <a:rPr lang="en-US" dirty="0">
+                <a:hlinkClick r:id="rId9"/>
+              </a:rPr>
+              <a:t> 2.6.0 documentation</a:t>
+            </a:r>
+            <a:endParaRPr lang="en-US" dirty="0"/>
+          </a:p>
+          <a:p>
+            <a:endParaRPr lang="en-US" dirty="0"/>
+          </a:p>
+          <a:p>
+            <a:endParaRPr lang="en-US" dirty="0"/>
+          </a:p>
+          <a:p>
+            <a:endParaRPr lang="en-US" dirty="0"/>
+          </a:p>
+          <a:p>
+            <a:endParaRPr lang="en-US" dirty="0"/>
+          </a:p>
+        </p:txBody>
+      </p:sp>
+    </p:spTree>
+    <p:extLst>
+      <p:ext uri="{BB962C8B-B14F-4D97-AF65-F5344CB8AC3E}">
+        <p14:creationId xmlns:p14="http://schemas.microsoft.com/office/powerpoint/2010/main" val="3082881424"/>
       </p:ext>
     </p:extLst>
   </p:cSld>
@@ -3910,24 +5172,19 @@
           <a:p>
             <a:r>
               <a:rPr lang="en-US" dirty="0"/>
-              <a:t>Open source machine learning library from Meta</a:t>
+              <a:t>Lua Torch</a:t>
             </a:r>
           </a:p>
           <a:p>
             <a:r>
               <a:rPr lang="en-US" dirty="0"/>
-              <a:t>One of the largest machine learning </a:t>
-            </a:r>
-          </a:p>
-          <a:p>
-            <a:pPr lvl="1"/>
-            <a:r>
-              <a:rPr lang="en-US" dirty="0" err="1"/>
-              <a:t>Tensorflow</a:t>
-            </a:r>
+              <a:t>Open source machine learning library</a:t>
+            </a:r>
+          </a:p>
+          <a:p>
             <a:r>
               <a:rPr lang="en-US" dirty="0"/>
-              <a:t> from Google</a:t>
+              <a:t>One of the largest machine learning libraries</a:t>
             </a:r>
           </a:p>
           <a:p>
@@ -3998,7 +5255,207 @@
           <p:cNvPr id="2" name="Title 1">
             <a:extLst>
               <a:ext uri="{FF2B5EF4-FFF2-40B4-BE49-F238E27FC236}">
-                <a16:creationId xmlns:a16="http://schemas.microsoft.com/office/drawing/2014/main" id="{426FAB28-0D94-100E-21F0-616B9E61CFCF}"/>
+                <a16:creationId xmlns:a16="http://schemas.microsoft.com/office/drawing/2014/main" id="{012AF6AC-93FD-E32D-ED25-6F745868BBDA}"/>
+              </a:ext>
+            </a:extLst>
+          </p:cNvPr>
+          <p:cNvSpPr>
+            <a:spLocks noGrp="1"/>
+          </p:cNvSpPr>
+          <p:nvPr>
+            <p:ph type="title"/>
+          </p:nvPr>
+        </p:nvSpPr>
+        <p:spPr/>
+        <p:txBody>
+          <a:bodyPr/>
+          <a:lstStyle/>
+          <a:p>
+            <a:r>
+              <a:rPr lang="en-US" dirty="0"/>
+              <a:t>How to Install</a:t>
+            </a:r>
+          </a:p>
+        </p:txBody>
+      </p:sp>
+      <p:pic>
+        <p:nvPicPr>
+          <p:cNvPr id="5" name="Content Placeholder 4">
+            <a:extLst>
+              <a:ext uri="{FF2B5EF4-FFF2-40B4-BE49-F238E27FC236}">
+                <a16:creationId xmlns:a16="http://schemas.microsoft.com/office/drawing/2014/main" id="{27E0307A-BFED-5630-0832-A9C4EF3FE776}"/>
+              </a:ext>
+            </a:extLst>
+          </p:cNvPr>
+          <p:cNvPicPr>
+            <a:picLocks noGrp="1" noChangeAspect="1"/>
+          </p:cNvPicPr>
+          <p:nvPr>
+            <p:ph idx="1"/>
+          </p:nvPr>
+        </p:nvPicPr>
+        <p:blipFill>
+          <a:blip r:embed="rId3"/>
+          <a:stretch>
+            <a:fillRect/>
+          </a:stretch>
+        </p:blipFill>
+        <p:spPr>
+          <a:xfrm>
+            <a:off x="838200" y="1927680"/>
+            <a:ext cx="10515600" cy="4147228"/>
+          </a:xfrm>
+        </p:spPr>
+      </p:pic>
+    </p:spTree>
+    <p:extLst>
+      <p:ext uri="{BB962C8B-B14F-4D97-AF65-F5344CB8AC3E}">
+        <p14:creationId xmlns:p14="http://schemas.microsoft.com/office/powerpoint/2010/main" val="869859559"/>
+      </p:ext>
+    </p:extLst>
+  </p:cSld>
+  <p:clrMapOvr>
+    <a:masterClrMapping/>
+  </p:clrMapOvr>
+</p:sld>
+</file>
+
+<file path=ppt/slides/slide4.xml><?xml version="1.0" encoding="utf-8"?>
+<p:sld xmlns:a="http://schemas.openxmlformats.org/drawingml/2006/main" xmlns:r="http://schemas.openxmlformats.org/officeDocument/2006/relationships" xmlns:p="http://schemas.openxmlformats.org/presentationml/2006/main">
+  <p:cSld>
+    <p:spTree>
+      <p:nvGrpSpPr>
+        <p:cNvPr id="1" name=""/>
+        <p:cNvGrpSpPr/>
+        <p:nvPr/>
+      </p:nvGrpSpPr>
+      <p:grpSpPr>
+        <a:xfrm>
+          <a:off x="0" y="0"/>
+          <a:ext cx="0" cy="0"/>
+          <a:chOff x="0" y="0"/>
+          <a:chExt cx="0" cy="0"/>
+        </a:xfrm>
+      </p:grpSpPr>
+      <p:sp>
+        <p:nvSpPr>
+          <p:cNvPr id="2" name="Title 1">
+            <a:extLst>
+              <a:ext uri="{FF2B5EF4-FFF2-40B4-BE49-F238E27FC236}">
+                <a16:creationId xmlns:a16="http://schemas.microsoft.com/office/drawing/2014/main" id="{62EE252B-9876-3FC0-9DCB-943C4DC686FE}"/>
+              </a:ext>
+            </a:extLst>
+          </p:cNvPr>
+          <p:cNvSpPr>
+            <a:spLocks noGrp="1"/>
+          </p:cNvSpPr>
+          <p:nvPr>
+            <p:ph type="title"/>
+          </p:nvPr>
+        </p:nvSpPr>
+        <p:spPr/>
+        <p:txBody>
+          <a:bodyPr/>
+          <a:lstStyle/>
+          <a:p>
+            <a:r>
+              <a:rPr lang="en-US" dirty="0"/>
+              <a:t>Machine Learning Framework</a:t>
+            </a:r>
+          </a:p>
+        </p:txBody>
+      </p:sp>
+      <p:sp>
+        <p:nvSpPr>
+          <p:cNvPr id="3" name="Content Placeholder 2">
+            <a:extLst>
+              <a:ext uri="{FF2B5EF4-FFF2-40B4-BE49-F238E27FC236}">
+                <a16:creationId xmlns:a16="http://schemas.microsoft.com/office/drawing/2014/main" id="{0022289A-91C4-1DE0-F380-0DAF6D66FCA4}"/>
+              </a:ext>
+            </a:extLst>
+          </p:cNvPr>
+          <p:cNvSpPr>
+            <a:spLocks noGrp="1"/>
+          </p:cNvSpPr>
+          <p:nvPr>
+            <p:ph idx="1"/>
+          </p:nvPr>
+        </p:nvSpPr>
+        <p:spPr/>
+        <p:txBody>
+          <a:bodyPr/>
+          <a:lstStyle/>
+          <a:p>
+            <a:r>
+              <a:rPr lang="en-US" dirty="0"/>
+              <a:t>Gather the data</a:t>
+            </a:r>
+          </a:p>
+          <a:p>
+            <a:r>
+              <a:rPr lang="en-US" dirty="0"/>
+              <a:t>Data preparation</a:t>
+            </a:r>
+          </a:p>
+          <a:p>
+            <a:r>
+              <a:rPr lang="en-US" dirty="0"/>
+              <a:t>Model selection and/or model training</a:t>
+            </a:r>
+          </a:p>
+          <a:p>
+            <a:r>
+              <a:rPr lang="en-US" dirty="0"/>
+              <a:t>Model evaluation</a:t>
+            </a:r>
+          </a:p>
+          <a:p>
+            <a:endParaRPr lang="en-US" dirty="0"/>
+          </a:p>
+        </p:txBody>
+      </p:sp>
+    </p:spTree>
+    <p:extLst>
+      <p:ext uri="{BB962C8B-B14F-4D97-AF65-F5344CB8AC3E}">
+        <p14:creationId xmlns:p14="http://schemas.microsoft.com/office/powerpoint/2010/main" val="2393085414"/>
+      </p:ext>
+    </p:extLst>
+  </p:cSld>
+  <p:clrMapOvr>
+    <a:masterClrMapping/>
+  </p:clrMapOvr>
+</p:sld>
+</file>
+
+<file path=ppt/slides/slide5.xml><?xml version="1.0" encoding="utf-8"?>
+<p:sld xmlns:a="http://schemas.openxmlformats.org/drawingml/2006/main" xmlns:r="http://schemas.openxmlformats.org/officeDocument/2006/relationships" xmlns:p="http://schemas.openxmlformats.org/presentationml/2006/main">
+  <p:cSld>
+    <p:spTree>
+      <p:nvGrpSpPr>
+        <p:cNvPr id="1" name="">
+          <a:extLst>
+            <a:ext uri="{FF2B5EF4-FFF2-40B4-BE49-F238E27FC236}">
+              <a16:creationId xmlns:a16="http://schemas.microsoft.com/office/drawing/2014/main" id="{83F1BF24-7F17-C6C0-A5F2-843B2778B467}"/>
+            </a:ext>
+          </a:extLst>
+        </p:cNvPr>
+        <p:cNvGrpSpPr/>
+        <p:nvPr/>
+      </p:nvGrpSpPr>
+      <p:grpSpPr>
+        <a:xfrm>
+          <a:off x="0" y="0"/>
+          <a:ext cx="0" cy="0"/>
+          <a:chOff x="0" y="0"/>
+          <a:chExt cx="0" cy="0"/>
+        </a:xfrm>
+      </p:grpSpPr>
+      <p:sp>
+        <p:nvSpPr>
+          <p:cNvPr id="2" name="Title 1">
+            <a:extLst>
+              <a:ext uri="{FF2B5EF4-FFF2-40B4-BE49-F238E27FC236}">
+                <a16:creationId xmlns:a16="http://schemas.microsoft.com/office/drawing/2014/main" id="{CAF6C522-16F2-3A50-14D5-537B14EFBBEE}"/>
               </a:ext>
             </a:extLst>
           </p:cNvPr>
@@ -4026,7 +5483,7 @@
           <p:cNvPr id="3" name="Content Placeholder 2">
             <a:extLst>
               <a:ext uri="{FF2B5EF4-FFF2-40B4-BE49-F238E27FC236}">
-                <a16:creationId xmlns:a16="http://schemas.microsoft.com/office/drawing/2014/main" id="{3B320923-A889-77E2-673C-9BDC2194C220}"/>
+                <a16:creationId xmlns:a16="http://schemas.microsoft.com/office/drawing/2014/main" id="{D76972B1-BDC9-E3B2-59D8-DE6A387AA333}"/>
               </a:ext>
             </a:extLst>
           </p:cNvPr>
@@ -4063,7 +5520,7 @@
           <p:cNvPr id="2050" name="Picture 2" descr="Rubik's Cube | Rubik's Cube Wiki | Fandom">
             <a:extLst>
               <a:ext uri="{FF2B5EF4-FFF2-40B4-BE49-F238E27FC236}">
-                <a16:creationId xmlns:a16="http://schemas.microsoft.com/office/drawing/2014/main" id="{E7120901-2F04-BD29-CB13-B944BF162556}"/>
+                <a16:creationId xmlns:a16="http://schemas.microsoft.com/office/drawing/2014/main" id="{E238B6A4-F43A-B5A7-B86C-199D21A6360F}"/>
               </a:ext>
             </a:extLst>
           </p:cNvPr>
@@ -4089,7 +5546,7 @@
         </p:blipFill>
         <p:spPr bwMode="auto">
           <a:xfrm>
-            <a:off x="6934196" y="2172490"/>
+            <a:off x="6927784" y="2148792"/>
             <a:ext cx="3657607" cy="3657607"/>
           </a:xfrm>
           <a:prstGeom prst="rect">
@@ -4112,7 +5569,7 @@
           <p:cNvPr id="4" name="TextBox 3">
             <a:extLst>
               <a:ext uri="{FF2B5EF4-FFF2-40B4-BE49-F238E27FC236}">
-                <a16:creationId xmlns:a16="http://schemas.microsoft.com/office/drawing/2014/main" id="{73BC5AE8-E537-7A92-FFEF-C40E2C75906D}"/>
+                <a16:creationId xmlns:a16="http://schemas.microsoft.com/office/drawing/2014/main" id="{9D4685DE-376B-7092-FC6A-974D7C268891}"/>
               </a:ext>
             </a:extLst>
           </p:cNvPr>
@@ -4147,7 +5604,7 @@
           <p:cNvPr id="5" name="TextBox 4">
             <a:extLst>
               <a:ext uri="{FF2B5EF4-FFF2-40B4-BE49-F238E27FC236}">
-                <a16:creationId xmlns:a16="http://schemas.microsoft.com/office/drawing/2014/main" id="{F7FC29DE-CB7B-C2B4-631A-62ACF3DF885B}"/>
+                <a16:creationId xmlns:a16="http://schemas.microsoft.com/office/drawing/2014/main" id="{961053EA-E27D-D6EA-23A2-84B83CF64A61}"/>
               </a:ext>
             </a:extLst>
           </p:cNvPr>
@@ -4156,7 +5613,7 @@
         </p:nvSpPr>
         <p:spPr>
           <a:xfrm>
-            <a:off x="10522867" y="3163614"/>
+            <a:off x="10797874" y="3773514"/>
             <a:ext cx="830933" cy="369332"/>
           </a:xfrm>
           <a:prstGeom prst="rect">
@@ -4182,7 +5639,7 @@
           <p:cNvPr id="6" name="TextBox 5">
             <a:extLst>
               <a:ext uri="{FF2B5EF4-FFF2-40B4-BE49-F238E27FC236}">
-                <a16:creationId xmlns:a16="http://schemas.microsoft.com/office/drawing/2014/main" id="{849EF14D-1BD7-9186-887B-594CE89FCDC1}"/>
+                <a16:creationId xmlns:a16="http://schemas.microsoft.com/office/drawing/2014/main" id="{896AF717-B165-2186-763C-0F9AAA8D49B0}"/>
               </a:ext>
             </a:extLst>
           </p:cNvPr>
@@ -4191,7 +5648,7 @@
         </p:nvSpPr>
         <p:spPr>
           <a:xfrm>
-            <a:off x="9270124" y="5460765"/>
+            <a:off x="6854239" y="5942567"/>
             <a:ext cx="798167" cy="369332"/>
           </a:xfrm>
           <a:prstGeom prst="rect">
@@ -4217,7 +5674,7 @@
           <p:cNvPr id="7" name="TextBox 6">
             <a:extLst>
               <a:ext uri="{FF2B5EF4-FFF2-40B4-BE49-F238E27FC236}">
-                <a16:creationId xmlns:a16="http://schemas.microsoft.com/office/drawing/2014/main" id="{947B421E-04FB-4EB6-740A-C134C63A83D6}"/>
+                <a16:creationId xmlns:a16="http://schemas.microsoft.com/office/drawing/2014/main" id="{2BF1A598-60BB-8FBE-BF73-3BA80921415D}"/>
               </a:ext>
             </a:extLst>
           </p:cNvPr>
@@ -4226,7 +5683,7 @@
         </p:nvSpPr>
         <p:spPr>
           <a:xfrm>
-            <a:off x="8342467" y="1538899"/>
+            <a:off x="9078112" y="866935"/>
             <a:ext cx="841064" cy="369332"/>
           </a:xfrm>
           <a:prstGeom prst="rect">
@@ -4247,10 +5704,198 @@
           </a:p>
         </p:txBody>
       </p:sp>
+      <p:sp>
+        <p:nvSpPr>
+          <p:cNvPr id="8" name="Left Brace 7">
+            <a:extLst>
+              <a:ext uri="{FF2B5EF4-FFF2-40B4-BE49-F238E27FC236}">
+                <a16:creationId xmlns:a16="http://schemas.microsoft.com/office/drawing/2014/main" id="{2701C98F-CE20-6FD3-837E-5A265C4DFA88}"/>
+              </a:ext>
+            </a:extLst>
+          </p:cNvPr>
+          <p:cNvSpPr/>
+          <p:nvPr/>
+        </p:nvSpPr>
+        <p:spPr>
+          <a:xfrm>
+            <a:off x="6990308" y="3021227"/>
+            <a:ext cx="263015" cy="511719"/>
+          </a:xfrm>
+          <a:prstGeom prst="leftBrace">
+            <a:avLst/>
+          </a:prstGeom>
+        </p:spPr>
+        <p:style>
+          <a:lnRef idx="2">
+            <a:schemeClr val="dk1"/>
+          </a:lnRef>
+          <a:fillRef idx="0">
+            <a:schemeClr val="dk1"/>
+          </a:fillRef>
+          <a:effectRef idx="1">
+            <a:schemeClr val="dk1"/>
+          </a:effectRef>
+          <a:fontRef idx="minor">
+            <a:schemeClr val="tx1"/>
+          </a:fontRef>
+        </p:style>
+        <p:txBody>
+          <a:bodyPr rtlCol="0" anchor="ctr"/>
+          <a:lstStyle/>
+          <a:p>
+            <a:pPr algn="ctr"/>
+            <a:endParaRPr lang="en-US"/>
+          </a:p>
+        </p:txBody>
+      </p:sp>
+      <p:sp>
+        <p:nvSpPr>
+          <p:cNvPr id="9" name="Right Brace 8">
+            <a:extLst>
+              <a:ext uri="{FF2B5EF4-FFF2-40B4-BE49-F238E27FC236}">
+                <a16:creationId xmlns:a16="http://schemas.microsoft.com/office/drawing/2014/main" id="{1F7C5625-4627-D683-6F13-5D4C90B125FD}"/>
+              </a:ext>
+            </a:extLst>
+          </p:cNvPr>
+          <p:cNvSpPr/>
+          <p:nvPr/>
+        </p:nvSpPr>
+        <p:spPr>
+          <a:xfrm>
+            <a:off x="10259852" y="3021227"/>
+            <a:ext cx="388063" cy="1873907"/>
+          </a:xfrm>
+          <a:prstGeom prst="rightBrace">
+            <a:avLst/>
+          </a:prstGeom>
+        </p:spPr>
+        <p:style>
+          <a:lnRef idx="2">
+            <a:schemeClr val="dk1"/>
+          </a:lnRef>
+          <a:fillRef idx="0">
+            <a:schemeClr val="dk1"/>
+          </a:fillRef>
+          <a:effectRef idx="1">
+            <a:schemeClr val="dk1"/>
+          </a:effectRef>
+          <a:fontRef idx="minor">
+            <a:schemeClr val="tx1"/>
+          </a:fontRef>
+        </p:style>
+        <p:txBody>
+          <a:bodyPr rtlCol="0" anchor="ctr"/>
+          <a:lstStyle/>
+          <a:p>
+            <a:pPr algn="ctr"/>
+            <a:endParaRPr lang="en-US"/>
+          </a:p>
+        </p:txBody>
+      </p:sp>
+      <p:sp>
+        <p:nvSpPr>
+          <p:cNvPr id="10" name="Right Brace 9">
+            <a:extLst>
+              <a:ext uri="{FF2B5EF4-FFF2-40B4-BE49-F238E27FC236}">
+                <a16:creationId xmlns:a16="http://schemas.microsoft.com/office/drawing/2014/main" id="{5E9926E7-7B75-1B87-F769-D5C8229BE391}"/>
+              </a:ext>
+            </a:extLst>
+          </p:cNvPr>
+          <p:cNvSpPr/>
+          <p:nvPr/>
+        </p:nvSpPr>
+        <p:spPr>
+          <a:xfrm rot="7155585">
+            <a:off x="7308025" y="4838993"/>
+            <a:ext cx="907525" cy="1552147"/>
+          </a:xfrm>
+          <a:prstGeom prst="rightBrace">
+            <a:avLst>
+              <a:gd name="adj1" fmla="val 32954"/>
+              <a:gd name="adj2" fmla="val 51667"/>
+            </a:avLst>
+          </a:prstGeom>
+        </p:spPr>
+        <p:style>
+          <a:lnRef idx="2">
+            <a:schemeClr val="dk1"/>
+          </a:lnRef>
+          <a:fillRef idx="0">
+            <a:schemeClr val="dk1"/>
+          </a:fillRef>
+          <a:effectRef idx="1">
+            <a:schemeClr val="dk1"/>
+          </a:effectRef>
+          <a:fontRef idx="minor">
+            <a:schemeClr val="tx1"/>
+          </a:fontRef>
+        </p:style>
+        <p:txBody>
+          <a:bodyPr rtlCol="0" anchor="ctr"/>
+          <a:lstStyle/>
+          <a:p>
+            <a:pPr algn="ctr"/>
+            <a:endParaRPr lang="en-US"/>
+          </a:p>
+        </p:txBody>
+      </p:sp>
+      <p:sp>
+        <p:nvSpPr>
+          <p:cNvPr id="11" name="Speech Bubble: Oval 10">
+            <a:extLst>
+              <a:ext uri="{FF2B5EF4-FFF2-40B4-BE49-F238E27FC236}">
+                <a16:creationId xmlns:a16="http://schemas.microsoft.com/office/drawing/2014/main" id="{36C6D59C-A519-6103-2F14-5820942ABC56}"/>
+              </a:ext>
+            </a:extLst>
+          </p:cNvPr>
+          <p:cNvSpPr/>
+          <p:nvPr/>
+        </p:nvSpPr>
+        <p:spPr>
+          <a:xfrm rot="10236960">
+            <a:off x="5630432" y="1935470"/>
+            <a:ext cx="6314850" cy="4730636"/>
+          </a:xfrm>
+          <a:prstGeom prst="wedgeEllipseCallout">
+            <a:avLst>
+              <a:gd name="adj1" fmla="val -19636"/>
+              <a:gd name="adj2" fmla="val 61843"/>
+            </a:avLst>
+          </a:prstGeom>
+          <a:noFill/>
+          <a:ln>
+            <a:solidFill>
+              <a:schemeClr val="tx1"/>
+            </a:solidFill>
+          </a:ln>
+        </p:spPr>
+        <p:style>
+          <a:lnRef idx="2">
+            <a:schemeClr val="accent6"/>
+          </a:lnRef>
+          <a:fillRef idx="1">
+            <a:schemeClr val="lt1"/>
+          </a:fillRef>
+          <a:effectRef idx="0">
+            <a:schemeClr val="accent6"/>
+          </a:effectRef>
+          <a:fontRef idx="minor">
+            <a:schemeClr val="dk1"/>
+          </a:fontRef>
+        </p:style>
+        <p:txBody>
+          <a:bodyPr rtlCol="0" anchor="ctr"/>
+          <a:lstStyle/>
+          <a:p>
+            <a:pPr algn="ctr"/>
+            <a:endParaRPr lang="en-US"/>
+          </a:p>
+        </p:txBody>
+      </p:sp>
     </p:spTree>
     <p:extLst>
       <p:ext uri="{BB962C8B-B14F-4D97-AF65-F5344CB8AC3E}">
-        <p14:creationId xmlns:p14="http://schemas.microsoft.com/office/powerpoint/2010/main" val="4265018892"/>
+        <p14:creationId xmlns:p14="http://schemas.microsoft.com/office/powerpoint/2010/main" val="2744700096"/>
       </p:ext>
     </p:extLst>
   </p:cSld>
@@ -4260,7 +5905,7 @@
 </p:sld>
 </file>
 
-<file path=ppt/slides/slide4.xml><?xml version="1.0" encoding="utf-8"?>
+<file path=ppt/slides/slide6.xml><?xml version="1.0" encoding="utf-8"?>
 <p:sld xmlns:a="http://schemas.openxmlformats.org/drawingml/2006/main" xmlns:r="http://schemas.openxmlformats.org/officeDocument/2006/relationships" xmlns:p="http://schemas.openxmlformats.org/presentationml/2006/main">
   <p:cSld>
     <p:spTree>
@@ -4429,301 +6074,6 @@
 </p:sld>
 </file>
 
-<file path=ppt/slides/slide5.xml><?xml version="1.0" encoding="utf-8"?>
-<p:sld xmlns:a="http://schemas.openxmlformats.org/drawingml/2006/main" xmlns:r="http://schemas.openxmlformats.org/officeDocument/2006/relationships" xmlns:p="http://schemas.openxmlformats.org/presentationml/2006/main">
-  <p:cSld>
-    <p:spTree>
-      <p:nvGrpSpPr>
-        <p:cNvPr id="1" name=""/>
-        <p:cNvGrpSpPr/>
-        <p:nvPr/>
-      </p:nvGrpSpPr>
-      <p:grpSpPr>
-        <a:xfrm>
-          <a:off x="0" y="0"/>
-          <a:ext cx="0" cy="0"/>
-          <a:chOff x="0" y="0"/>
-          <a:chExt cx="0" cy="0"/>
-        </a:xfrm>
-      </p:grpSpPr>
-      <p:sp>
-        <p:nvSpPr>
-          <p:cNvPr id="2" name="Title 1">
-            <a:extLst>
-              <a:ext uri="{FF2B5EF4-FFF2-40B4-BE49-F238E27FC236}">
-                <a16:creationId xmlns:a16="http://schemas.microsoft.com/office/drawing/2014/main" id="{012AF6AC-93FD-E32D-ED25-6F745868BBDA}"/>
-              </a:ext>
-            </a:extLst>
-          </p:cNvPr>
-          <p:cNvSpPr>
-            <a:spLocks noGrp="1"/>
-          </p:cNvSpPr>
-          <p:nvPr>
-            <p:ph type="title"/>
-          </p:nvPr>
-        </p:nvSpPr>
-        <p:spPr/>
-        <p:txBody>
-          <a:bodyPr/>
-          <a:lstStyle/>
-          <a:p>
-            <a:r>
-              <a:rPr lang="en-US" dirty="0"/>
-              <a:t>How to Install</a:t>
-            </a:r>
-          </a:p>
-        </p:txBody>
-      </p:sp>
-      <p:pic>
-        <p:nvPicPr>
-          <p:cNvPr id="5" name="Content Placeholder 4">
-            <a:extLst>
-              <a:ext uri="{FF2B5EF4-FFF2-40B4-BE49-F238E27FC236}">
-                <a16:creationId xmlns:a16="http://schemas.microsoft.com/office/drawing/2014/main" id="{27E0307A-BFED-5630-0832-A9C4EF3FE776}"/>
-              </a:ext>
-            </a:extLst>
-          </p:cNvPr>
-          <p:cNvPicPr>
-            <a:picLocks noGrp="1" noChangeAspect="1"/>
-          </p:cNvPicPr>
-          <p:nvPr>
-            <p:ph idx="1"/>
-          </p:nvPr>
-        </p:nvPicPr>
-        <p:blipFill>
-          <a:blip r:embed="rId2"/>
-          <a:stretch>
-            <a:fillRect/>
-          </a:stretch>
-        </p:blipFill>
-        <p:spPr>
-          <a:xfrm>
-            <a:off x="838200" y="1927680"/>
-            <a:ext cx="10515600" cy="4147228"/>
-          </a:xfrm>
-        </p:spPr>
-      </p:pic>
-      <p:sp>
-        <p:nvSpPr>
-          <p:cNvPr id="6" name="TextBox 5">
-            <a:extLst>
-              <a:ext uri="{FF2B5EF4-FFF2-40B4-BE49-F238E27FC236}">
-                <a16:creationId xmlns:a16="http://schemas.microsoft.com/office/drawing/2014/main" id="{B03C4C27-562D-2BFD-0A78-D1ED3FB84BB7}"/>
-              </a:ext>
-            </a:extLst>
-          </p:cNvPr>
-          <p:cNvSpPr txBox="1"/>
-          <p:nvPr/>
-        </p:nvSpPr>
-        <p:spPr>
-          <a:xfrm>
-            <a:off x="838200" y="6242064"/>
-            <a:ext cx="1484189" cy="369332"/>
-          </a:xfrm>
-          <a:prstGeom prst="rect">
-            <a:avLst/>
-          </a:prstGeom>
-          <a:noFill/>
-        </p:spPr>
-        <p:txBody>
-          <a:bodyPr wrap="none" rtlCol="0">
-            <a:spAutoFit/>
-          </a:bodyPr>
-          <a:lstStyle/>
-          <a:p>
-            <a:r>
-              <a:rPr lang="en-US" dirty="0"/>
-              <a:t>Link: </a:t>
-            </a:r>
-            <a:r>
-              <a:rPr lang="en-US" dirty="0" err="1">
-                <a:hlinkClick r:id="rId3"/>
-              </a:rPr>
-              <a:t>PyTorch</a:t>
-            </a:r>
-            <a:endParaRPr lang="en-US" dirty="0"/>
-          </a:p>
-        </p:txBody>
-      </p:sp>
-    </p:spTree>
-    <p:extLst>
-      <p:ext uri="{BB962C8B-B14F-4D97-AF65-F5344CB8AC3E}">
-        <p14:creationId xmlns:p14="http://schemas.microsoft.com/office/powerpoint/2010/main" val="869859559"/>
-      </p:ext>
-    </p:extLst>
-  </p:cSld>
-  <p:clrMapOvr>
-    <a:masterClrMapping/>
-  </p:clrMapOvr>
-</p:sld>
-</file>
-
-<file path=ppt/slides/slide6.xml><?xml version="1.0" encoding="utf-8"?>
-<p:sld xmlns:a="http://schemas.openxmlformats.org/drawingml/2006/main" xmlns:r="http://schemas.openxmlformats.org/officeDocument/2006/relationships" xmlns:p="http://schemas.openxmlformats.org/presentationml/2006/main">
-  <p:cSld>
-    <p:spTree>
-      <p:nvGrpSpPr>
-        <p:cNvPr id="1" name=""/>
-        <p:cNvGrpSpPr/>
-        <p:nvPr/>
-      </p:nvGrpSpPr>
-      <p:grpSpPr>
-        <a:xfrm>
-          <a:off x="0" y="0"/>
-          <a:ext cx="0" cy="0"/>
-          <a:chOff x="0" y="0"/>
-          <a:chExt cx="0" cy="0"/>
-        </a:xfrm>
-      </p:grpSpPr>
-      <p:sp>
-        <p:nvSpPr>
-          <p:cNvPr id="2" name="Title 1">
-            <a:extLst>
-              <a:ext uri="{FF2B5EF4-FFF2-40B4-BE49-F238E27FC236}">
-                <a16:creationId xmlns:a16="http://schemas.microsoft.com/office/drawing/2014/main" id="{F3DDD2C2-38EF-EA0A-BED3-CCD691436EB7}"/>
-              </a:ext>
-            </a:extLst>
-          </p:cNvPr>
-          <p:cNvSpPr>
-            <a:spLocks noGrp="1"/>
-          </p:cNvSpPr>
-          <p:nvPr>
-            <p:ph type="title"/>
-          </p:nvPr>
-        </p:nvSpPr>
-        <p:spPr/>
-        <p:txBody>
-          <a:bodyPr/>
-          <a:lstStyle/>
-          <a:p>
-            <a:r>
-              <a:rPr lang="en-US" dirty="0" err="1"/>
-              <a:t>Autograd</a:t>
-            </a:r>
-            <a:endParaRPr lang="en-US" dirty="0"/>
-          </a:p>
-        </p:txBody>
-      </p:sp>
-      <p:sp>
-        <p:nvSpPr>
-          <p:cNvPr id="3" name="Content Placeholder 2">
-            <a:extLst>
-              <a:ext uri="{FF2B5EF4-FFF2-40B4-BE49-F238E27FC236}">
-                <a16:creationId xmlns:a16="http://schemas.microsoft.com/office/drawing/2014/main" id="{28980174-EE0E-79B2-81A8-262B197B30EC}"/>
-              </a:ext>
-            </a:extLst>
-          </p:cNvPr>
-          <p:cNvSpPr>
-            <a:spLocks noGrp="1"/>
-          </p:cNvSpPr>
-          <p:nvPr>
-            <p:ph sz="half" idx="1"/>
-          </p:nvPr>
-        </p:nvSpPr>
-        <p:spPr/>
-        <p:txBody>
-          <a:bodyPr/>
-          <a:lstStyle/>
-          <a:p>
-            <a:r>
-              <a:rPr lang="en-US" dirty="0"/>
-              <a:t>Short for automatic differentiation</a:t>
-            </a:r>
-          </a:p>
-          <a:p>
-            <a:pPr lvl="1"/>
-            <a:r>
-              <a:rPr lang="en-US" dirty="0"/>
-              <a:t>Gradients</a:t>
-            </a:r>
-          </a:p>
-          <a:p>
-            <a:r>
-              <a:rPr lang="en-US" dirty="0" err="1"/>
-              <a:t>Autograd</a:t>
-            </a:r>
-            <a:r>
-              <a:rPr lang="en-US" dirty="0"/>
-              <a:t> creates a chart showing how tensors are connected.  </a:t>
-            </a:r>
-          </a:p>
-          <a:p>
-            <a:pPr lvl="1"/>
-            <a:r>
-              <a:rPr lang="en-US" dirty="0"/>
-              <a:t>Contains leaves and roots. </a:t>
-            </a:r>
-          </a:p>
-          <a:p>
-            <a:r>
-              <a:rPr lang="en-US" dirty="0"/>
-              <a:t>Forward and backward modes</a:t>
-            </a:r>
-          </a:p>
-        </p:txBody>
-      </p:sp>
-      <p:pic>
-        <p:nvPicPr>
-          <p:cNvPr id="1026" name="Picture 2">
-            <a:extLst>
-              <a:ext uri="{FF2B5EF4-FFF2-40B4-BE49-F238E27FC236}">
-                <a16:creationId xmlns:a16="http://schemas.microsoft.com/office/drawing/2014/main" id="{A3A8FF2A-9EBA-3212-8350-61B5EF83012E}"/>
-              </a:ext>
-            </a:extLst>
-          </p:cNvPr>
-          <p:cNvPicPr>
-            <a:picLocks noGrp="1" noChangeAspect="1" noChangeArrowheads="1"/>
-          </p:cNvPicPr>
-          <p:nvPr>
-            <p:ph sz="half" idx="2"/>
-          </p:nvPr>
-        </p:nvPicPr>
-        <p:blipFill>
-          <a:blip r:embed="rId2">
-            <a:extLst>
-              <a:ext uri="{28A0092B-C50C-407E-A947-70E740481C1C}">
-                <a14:useLocalDpi xmlns:a14="http://schemas.microsoft.com/office/drawing/2010/main" val="0"/>
-              </a:ext>
-            </a:extLst>
-          </a:blip>
-          <a:srcRect/>
-          <a:stretch>
-            <a:fillRect/>
-          </a:stretch>
-        </p:blipFill>
-        <p:spPr bwMode="auto">
-          <a:xfrm>
-            <a:off x="6172200" y="1919492"/>
-            <a:ext cx="5181600" cy="4163604"/>
-          </a:xfrm>
-          <a:prstGeom prst="rect">
-            <a:avLst/>
-          </a:prstGeom>
-          <a:noFill/>
-          <a:extLst>
-            <a:ext uri="{909E8E84-426E-40DD-AFC4-6F175D3DCCD1}">
-              <a14:hiddenFill xmlns:a14="http://schemas.microsoft.com/office/drawing/2010/main">
-                <a:solidFill>
-                  <a:srgbClr val="FFFFFF"/>
-                </a:solidFill>
-              </a14:hiddenFill>
-            </a:ext>
-          </a:extLst>
-        </p:spPr>
-      </p:pic>
-    </p:spTree>
-    <p:extLst>
-      <p:ext uri="{BB962C8B-B14F-4D97-AF65-F5344CB8AC3E}">
-        <p14:creationId xmlns:p14="http://schemas.microsoft.com/office/powerpoint/2010/main" val="1330419359"/>
-      </p:ext>
-    </p:extLst>
-  </p:cSld>
-  <p:clrMapOvr>
-    <a:masterClrMapping/>
-  </p:clrMapOvr>
-</p:sld>
-</file>
-
 <file path=ppt/slides/slide7.xml><?xml version="1.0" encoding="utf-8"?>
 <p:sld xmlns:a="http://schemas.openxmlformats.org/drawingml/2006/main" xmlns:r="http://schemas.openxmlformats.org/officeDocument/2006/relationships" xmlns:p="http://schemas.openxmlformats.org/presentationml/2006/main">
   <p:cSld>
@@ -4746,7 +6096,7 @@
           <p:cNvPr id="2" name="Title 1">
             <a:extLst>
               <a:ext uri="{FF2B5EF4-FFF2-40B4-BE49-F238E27FC236}">
-                <a16:creationId xmlns:a16="http://schemas.microsoft.com/office/drawing/2014/main" id="{8ECA518D-DC5A-30B3-BDDD-7ECC46A54559}"/>
+                <a16:creationId xmlns:a16="http://schemas.microsoft.com/office/drawing/2014/main" id="{71D0AACA-2DBA-C403-1ED7-D8A4F87EB71B}"/>
               </a:ext>
             </a:extLst>
           </p:cNvPr>
@@ -4763,84 +6113,65 @@
           <a:lstStyle/>
           <a:p>
             <a:r>
+              <a:rPr lang="en-US"/>
+              <a:t>Tensor Code Example</a:t>
+            </a:r>
+            <a:endParaRPr lang="en-US" dirty="0"/>
+          </a:p>
+        </p:txBody>
+      </p:sp>
+      <p:sp>
+        <p:nvSpPr>
+          <p:cNvPr id="8" name="Content Placeholder 7">
+            <a:extLst>
+              <a:ext uri="{FF2B5EF4-FFF2-40B4-BE49-F238E27FC236}">
+                <a16:creationId xmlns:a16="http://schemas.microsoft.com/office/drawing/2014/main" id="{BEA46A3B-DB29-947E-7294-3DA6D6AA176A}"/>
+              </a:ext>
+            </a:extLst>
+          </p:cNvPr>
+          <p:cNvSpPr>
+            <a:spLocks noGrp="1"/>
+          </p:cNvSpPr>
+          <p:nvPr>
+            <p:ph sz="half" idx="2"/>
+          </p:nvPr>
+        </p:nvSpPr>
+        <p:spPr/>
+        <p:txBody>
+          <a:bodyPr/>
+          <a:lstStyle/>
+          <a:p>
+            <a:r>
+              <a:rPr lang="en-US" dirty="0" err="1"/>
+              <a:t>torch.tensor</a:t>
+            </a:r>
+            <a:r>
               <a:rPr lang="en-US" dirty="0"/>
-              <a:t>Bibliography</a:t>
-            </a:r>
-          </a:p>
-        </p:txBody>
-      </p:sp>
-      <p:sp>
-        <p:nvSpPr>
-          <p:cNvPr id="3" name="Content Placeholder 2">
-            <a:extLst>
-              <a:ext uri="{FF2B5EF4-FFF2-40B4-BE49-F238E27FC236}">
-                <a16:creationId xmlns:a16="http://schemas.microsoft.com/office/drawing/2014/main" id="{B55BA5F5-7822-197E-B3E4-ADCB652AE614}"/>
-              </a:ext>
-            </a:extLst>
-          </p:cNvPr>
-          <p:cNvSpPr>
-            <a:spLocks noGrp="1"/>
-          </p:cNvSpPr>
-          <p:nvPr>
-            <p:ph idx="1"/>
-          </p:nvPr>
-        </p:nvSpPr>
-        <p:spPr/>
-        <p:txBody>
-          <a:bodyPr/>
-          <a:lstStyle/>
-          <a:p>
-            <a:r>
-              <a:rPr lang="en-US" dirty="0">
-                <a:hlinkClick r:id="rId2"/>
-              </a:rPr>
-              <a:t>https://ai.meta.com/tools/pytorch/</a:t>
+              <a:t> – creates a tensor</a:t>
+            </a:r>
+          </a:p>
+          <a:p>
+            <a:r>
+              <a:rPr lang="en-US" dirty="0" err="1"/>
+              <a:t>variable.shape</a:t>
             </a:r>
             <a:endParaRPr lang="en-US" dirty="0"/>
           </a:p>
           <a:p>
             <a:r>
-              <a:rPr lang="en-US" dirty="0">
-                <a:hlinkClick r:id="rId3"/>
-              </a:rPr>
-              <a:t>https://static.wikia.nocookie.net/speedsolving/images/a/a1/Rubik%27s_Cube_transparency.png/revision/latest/scale-to-width-down/1200?cb=20141018181906</a:t>
+              <a:rPr lang="en-US" dirty="0" err="1"/>
+              <a:t>variable.dtype</a:t>
             </a:r>
             <a:endParaRPr lang="en-US" dirty="0"/>
           </a:p>
           <a:p>
             <a:r>
-              <a:rPr lang="en-US" dirty="0">
-                <a:hlinkClick r:id="rId4"/>
-              </a:rPr>
-              <a:t>https://media.licdn.com/dms/image/v2/D4D12AQGBWEH55J0srw/article-cover_image-shrink_600_2000/article-cover_image-shrink_600_2000/0/1686308835063?e=2147483647&amp;v=beta&amp;t=unycJxyxEuLjKUY9yoB2P6WgKP8j5-QITqkV9jYln-Y</a:t>
+              <a:rPr lang="en-US" dirty="0" err="1"/>
+              <a:t>torch.ones</a:t>
             </a:r>
             <a:endParaRPr lang="en-US" dirty="0"/>
           </a:p>
           <a:p>
-            <a:r>
-              <a:rPr lang="en-US" dirty="0" err="1">
-                <a:hlinkClick r:id="rId5"/>
-              </a:rPr>
-              <a:t>Autograd</a:t>
-            </a:r>
-            <a:r>
-              <a:rPr lang="en-US" dirty="0">
-                <a:hlinkClick r:id="rId5"/>
-              </a:rPr>
-              <a:t> mechanics — </a:t>
-            </a:r>
-            <a:r>
-              <a:rPr lang="en-US" dirty="0" err="1">
-                <a:hlinkClick r:id="rId5"/>
-              </a:rPr>
-              <a:t>PyTorch</a:t>
-            </a:r>
-            <a:r>
-              <a:rPr lang="en-US" dirty="0">
-                <a:hlinkClick r:id="rId5"/>
-              </a:rPr>
-              <a:t> 2.6 documentation</a:t>
-            </a:r>
             <a:endParaRPr lang="en-US" dirty="0"/>
           </a:p>
           <a:p>
@@ -4851,10 +6182,302 @@
           </a:p>
         </p:txBody>
       </p:sp>
+      <p:pic>
+        <p:nvPicPr>
+          <p:cNvPr id="14" name="Content Placeholder 13">
+            <a:extLst>
+              <a:ext uri="{FF2B5EF4-FFF2-40B4-BE49-F238E27FC236}">
+                <a16:creationId xmlns:a16="http://schemas.microsoft.com/office/drawing/2014/main" id="{A0BD3D7D-C936-0A0A-9AB2-E74B5A97E2E8}"/>
+              </a:ext>
+            </a:extLst>
+          </p:cNvPr>
+          <p:cNvPicPr>
+            <a:picLocks noGrp="1" noChangeAspect="1"/>
+          </p:cNvPicPr>
+          <p:nvPr>
+            <p:ph sz="half" idx="1"/>
+          </p:nvPr>
+        </p:nvPicPr>
+        <p:blipFill>
+          <a:blip r:embed="rId2"/>
+          <a:stretch>
+            <a:fillRect/>
+          </a:stretch>
+        </p:blipFill>
+        <p:spPr>
+          <a:xfrm>
+            <a:off x="838200" y="2029123"/>
+            <a:ext cx="5181600" cy="3944342"/>
+          </a:xfrm>
+        </p:spPr>
+      </p:pic>
     </p:spTree>
     <p:extLst>
       <p:ext uri="{BB962C8B-B14F-4D97-AF65-F5344CB8AC3E}">
-        <p14:creationId xmlns:p14="http://schemas.microsoft.com/office/powerpoint/2010/main" val="3082881424"/>
+        <p14:creationId xmlns:p14="http://schemas.microsoft.com/office/powerpoint/2010/main" val="3985462903"/>
+      </p:ext>
+    </p:extLst>
+  </p:cSld>
+  <p:clrMapOvr>
+    <a:masterClrMapping/>
+  </p:clrMapOvr>
+</p:sld>
+</file>
+
+<file path=ppt/slides/slide8.xml><?xml version="1.0" encoding="utf-8"?>
+<p:sld xmlns:a="http://schemas.openxmlformats.org/drawingml/2006/main" xmlns:r="http://schemas.openxmlformats.org/officeDocument/2006/relationships" xmlns:p="http://schemas.openxmlformats.org/presentationml/2006/main">
+  <p:cSld>
+    <p:spTree>
+      <p:nvGrpSpPr>
+        <p:cNvPr id="1" name=""/>
+        <p:cNvGrpSpPr/>
+        <p:nvPr/>
+      </p:nvGrpSpPr>
+      <p:grpSpPr>
+        <a:xfrm>
+          <a:off x="0" y="0"/>
+          <a:ext cx="0" cy="0"/>
+          <a:chOff x="0" y="0"/>
+          <a:chExt cx="0" cy="0"/>
+        </a:xfrm>
+      </p:grpSpPr>
+      <p:sp>
+        <p:nvSpPr>
+          <p:cNvPr id="2" name="Title 1">
+            <a:extLst>
+              <a:ext uri="{FF2B5EF4-FFF2-40B4-BE49-F238E27FC236}">
+                <a16:creationId xmlns:a16="http://schemas.microsoft.com/office/drawing/2014/main" id="{AA644154-2473-A211-A5E4-4F4F3F6CB554}"/>
+              </a:ext>
+            </a:extLst>
+          </p:cNvPr>
+          <p:cNvSpPr>
+            <a:spLocks noGrp="1"/>
+          </p:cNvSpPr>
+          <p:nvPr>
+            <p:ph type="title"/>
+          </p:nvPr>
+        </p:nvSpPr>
+        <p:spPr/>
+        <p:txBody>
+          <a:bodyPr/>
+          <a:lstStyle/>
+          <a:p>
+            <a:r>
+              <a:rPr lang="en-US" dirty="0"/>
+              <a:t>Tensor’s Continued</a:t>
+            </a:r>
+          </a:p>
+        </p:txBody>
+      </p:sp>
+      <p:pic>
+        <p:nvPicPr>
+          <p:cNvPr id="6" name="Content Placeholder 5">
+            <a:extLst>
+              <a:ext uri="{FF2B5EF4-FFF2-40B4-BE49-F238E27FC236}">
+                <a16:creationId xmlns:a16="http://schemas.microsoft.com/office/drawing/2014/main" id="{EFB7EFDF-EE62-F965-8395-FD0A374FF38E}"/>
+              </a:ext>
+            </a:extLst>
+          </p:cNvPr>
+          <p:cNvPicPr>
+            <a:picLocks noGrp="1" noChangeAspect="1"/>
+          </p:cNvPicPr>
+          <p:nvPr>
+            <p:ph sz="half" idx="1"/>
+          </p:nvPr>
+        </p:nvPicPr>
+        <p:blipFill>
+          <a:blip r:embed="rId2"/>
+          <a:stretch>
+            <a:fillRect/>
+          </a:stretch>
+        </p:blipFill>
+        <p:spPr>
+          <a:xfrm>
+            <a:off x="838200" y="2153134"/>
+            <a:ext cx="5181600" cy="3696320"/>
+          </a:xfrm>
+        </p:spPr>
+      </p:pic>
+      <p:sp>
+        <p:nvSpPr>
+          <p:cNvPr id="4" name="Content Placeholder 3">
+            <a:extLst>
+              <a:ext uri="{FF2B5EF4-FFF2-40B4-BE49-F238E27FC236}">
+                <a16:creationId xmlns:a16="http://schemas.microsoft.com/office/drawing/2014/main" id="{33D813CB-E2D5-2B19-7491-62510D3542F8}"/>
+              </a:ext>
+            </a:extLst>
+          </p:cNvPr>
+          <p:cNvSpPr>
+            <a:spLocks noGrp="1"/>
+          </p:cNvSpPr>
+          <p:nvPr>
+            <p:ph sz="half" idx="2"/>
+          </p:nvPr>
+        </p:nvSpPr>
+        <p:spPr/>
+        <p:txBody>
+          <a:bodyPr/>
+          <a:lstStyle/>
+          <a:p>
+            <a:r>
+              <a:rPr lang="en-US" dirty="0"/>
+              <a:t>Can look at scalars</a:t>
+            </a:r>
+          </a:p>
+          <a:p>
+            <a:r>
+              <a:rPr lang="en-US" dirty="0"/>
+              <a:t>Replace numbers </a:t>
+            </a:r>
+          </a:p>
+          <a:p>
+            <a:r>
+              <a:rPr lang="en-US" dirty="0"/>
+              <a:t>Do arithmetic +,-,*,/</a:t>
+            </a:r>
+          </a:p>
+        </p:txBody>
+      </p:sp>
+    </p:spTree>
+    <p:extLst>
+      <p:ext uri="{BB962C8B-B14F-4D97-AF65-F5344CB8AC3E}">
+        <p14:creationId xmlns:p14="http://schemas.microsoft.com/office/powerpoint/2010/main" val="1572474460"/>
+      </p:ext>
+    </p:extLst>
+  </p:cSld>
+  <p:clrMapOvr>
+    <a:masterClrMapping/>
+  </p:clrMapOvr>
+</p:sld>
+</file>
+
+<file path=ppt/slides/slide9.xml><?xml version="1.0" encoding="utf-8"?>
+<p:sld xmlns:a="http://schemas.openxmlformats.org/drawingml/2006/main" xmlns:r="http://schemas.openxmlformats.org/officeDocument/2006/relationships" xmlns:p="http://schemas.openxmlformats.org/presentationml/2006/main">
+  <p:cSld>
+    <p:spTree>
+      <p:nvGrpSpPr>
+        <p:cNvPr id="1" name=""/>
+        <p:cNvGrpSpPr/>
+        <p:nvPr/>
+      </p:nvGrpSpPr>
+      <p:grpSpPr>
+        <a:xfrm>
+          <a:off x="0" y="0"/>
+          <a:ext cx="0" cy="0"/>
+          <a:chOff x="0" y="0"/>
+          <a:chExt cx="0" cy="0"/>
+        </a:xfrm>
+      </p:grpSpPr>
+      <p:sp>
+        <p:nvSpPr>
+          <p:cNvPr id="2" name="Title 1">
+            <a:extLst>
+              <a:ext uri="{FF2B5EF4-FFF2-40B4-BE49-F238E27FC236}">
+                <a16:creationId xmlns:a16="http://schemas.microsoft.com/office/drawing/2014/main" id="{0977527E-AC2D-D1F4-914B-1CC936CA9782}"/>
+              </a:ext>
+            </a:extLst>
+          </p:cNvPr>
+          <p:cNvSpPr>
+            <a:spLocks noGrp="1"/>
+          </p:cNvSpPr>
+          <p:nvPr>
+            <p:ph type="title"/>
+          </p:nvPr>
+        </p:nvSpPr>
+        <p:spPr/>
+        <p:txBody>
+          <a:bodyPr/>
+          <a:lstStyle/>
+          <a:p>
+            <a:r>
+              <a:rPr lang="en-US" dirty="0" err="1"/>
+              <a:t>Pytorch</a:t>
+            </a:r>
+            <a:r>
+              <a:rPr lang="en-US" dirty="0"/>
+              <a:t> Modules</a:t>
+            </a:r>
+          </a:p>
+        </p:txBody>
+      </p:sp>
+      <p:sp>
+        <p:nvSpPr>
+          <p:cNvPr id="3" name="Content Placeholder 2">
+            <a:extLst>
+              <a:ext uri="{FF2B5EF4-FFF2-40B4-BE49-F238E27FC236}">
+                <a16:creationId xmlns:a16="http://schemas.microsoft.com/office/drawing/2014/main" id="{FB689052-B3B1-54BF-14CC-B35DCD27B043}"/>
+              </a:ext>
+            </a:extLst>
+          </p:cNvPr>
+          <p:cNvSpPr>
+            <a:spLocks noGrp="1"/>
+          </p:cNvSpPr>
+          <p:nvPr>
+            <p:ph sz="half" idx="1"/>
+          </p:nvPr>
+        </p:nvSpPr>
+        <p:spPr/>
+        <p:txBody>
+          <a:bodyPr/>
+          <a:lstStyle/>
+          <a:p>
+            <a:r>
+              <a:rPr lang="en-US" dirty="0"/>
+              <a:t>Torch</a:t>
+            </a:r>
+          </a:p>
+          <a:p>
+            <a:r>
+              <a:rPr lang="en-US" dirty="0" err="1"/>
+              <a:t>Torchvision</a:t>
+            </a:r>
+            <a:endParaRPr lang="en-US" dirty="0"/>
+          </a:p>
+          <a:p>
+            <a:r>
+              <a:rPr lang="en-US" dirty="0" err="1"/>
+              <a:t>Torchaudio</a:t>
+            </a:r>
+            <a:endParaRPr lang="en-US" dirty="0"/>
+          </a:p>
+          <a:p>
+            <a:endParaRPr lang="en-US" dirty="0"/>
+          </a:p>
+        </p:txBody>
+      </p:sp>
+      <p:pic>
+        <p:nvPicPr>
+          <p:cNvPr id="16" name="Content Placeholder 15">
+            <a:extLst>
+              <a:ext uri="{FF2B5EF4-FFF2-40B4-BE49-F238E27FC236}">
+                <a16:creationId xmlns:a16="http://schemas.microsoft.com/office/drawing/2014/main" id="{EAC6D32E-A96A-D95F-FF21-D47727424989}"/>
+              </a:ext>
+            </a:extLst>
+          </p:cNvPr>
+          <p:cNvPicPr>
+            <a:picLocks noGrp="1" noChangeAspect="1"/>
+          </p:cNvPicPr>
+          <p:nvPr>
+            <p:ph sz="half" idx="2"/>
+          </p:nvPr>
+        </p:nvPicPr>
+        <p:blipFill>
+          <a:blip r:embed="rId3"/>
+          <a:stretch>
+            <a:fillRect/>
+          </a:stretch>
+        </p:blipFill>
+        <p:spPr>
+          <a:xfrm>
+            <a:off x="6172200" y="2547961"/>
+            <a:ext cx="5181600" cy="2906666"/>
+          </a:xfrm>
+        </p:spPr>
+      </p:pic>
+    </p:spTree>
+    <p:extLst>
+      <p:ext uri="{BB962C8B-B14F-4D97-AF65-F5344CB8AC3E}">
+        <p14:creationId xmlns:p14="http://schemas.microsoft.com/office/powerpoint/2010/main" val="252830962"/>
       </p:ext>
     </p:extLst>
   </p:cSld>
